--- a/docs/ppt/git_module_04.pptx
+++ b/docs/ppt/git_module_04.pptx
@@ -480,7 +480,7 @@
                 <a:latin typeface="Century Gothic" pitchFamily="34" charset="0"/>
               </a:rPr>
               <a:pPr/>
-              <a:t>26/12/2017</a:t>
+              <a:t>31/12/2017</a:t>
             </a:fld>
             <a:endParaRPr lang="fr-FR">
               <a:latin typeface="Century Gothic" pitchFamily="34" charset="0"/>
@@ -660,7 +660,7 @@
             <a:fld id="{FDCDEFE6-5B54-4838-86E6-97123BEF1300}" type="datetimeFigureOut">
               <a:rPr lang="fr-FR" smtClean="0"/>
               <a:pPr/>
-              <a:t>26/12/2017</a:t>
+              <a:t>31/12/2017</a:t>
             </a:fld>
             <a:endParaRPr lang="fr-FR"/>
           </a:p>
@@ -979,11 +979,31 @@
           <a:p>
             <a:r>
               <a:rPr lang="fr-FR" dirty="0" smtClean="0"/>
-              <a:t>On ajoute la dimension</a:t>
+              <a:t>Il nous reste à ajouter </a:t>
+            </a:r>
+            <a:r>
+              <a:rPr lang="fr-FR" dirty="0" smtClean="0"/>
+              <a:t>la dimension</a:t>
             </a:r>
             <a:r>
               <a:rPr lang="fr-FR" baseline="0" dirty="0" smtClean="0"/>
-              <a:t> « distribuée » à git</a:t>
+              <a:t> « distribuée » à </a:t>
+            </a:r>
+            <a:r>
+              <a:rPr lang="fr-FR" baseline="0" dirty="0" smtClean="0"/>
+              <a:t>git,</a:t>
+            </a:r>
+          </a:p>
+          <a:p>
+            <a:r>
+              <a:rPr lang="fr-FR" baseline="0" dirty="0" smtClean="0"/>
+              <a:t>Jusqu’à maintenant, on a travaillé comme s’il n’existait qu’un seul ordinateur au monde.</a:t>
+            </a:r>
+          </a:p>
+          <a:p>
+            <a:r>
+              <a:rPr lang="fr-FR" baseline="0" dirty="0" smtClean="0"/>
+              <a:t>On va maintenant pouvoir partager nos projets !</a:t>
             </a:r>
             <a:endParaRPr lang="fr-FR" dirty="0"/>
           </a:p>
@@ -2042,19 +2062,80 @@
           <a:bodyPr/>
           <a:lstStyle/>
           <a:p>
+            <a:pPr marL="171450" indent="-171450">
+              <a:buFont typeface="Arial" panose="020B0604020202020204" pitchFamily="34" charset="0"/>
+              <a:buChar char="•"/>
+            </a:pPr>
             <a:r>
               <a:rPr lang="fr-FR" dirty="0" smtClean="0"/>
-              <a:t>Repo distant (n’importe où) + repo local</a:t>
+              <a:t>1 repo </a:t>
+            </a:r>
+            <a:r>
+              <a:rPr lang="fr-FR" dirty="0" smtClean="0"/>
+              <a:t>distant (n’importe </a:t>
+            </a:r>
+            <a:r>
+              <a:rPr lang="fr-FR" dirty="0" smtClean="0"/>
+              <a:t>où)</a:t>
+            </a:r>
+          </a:p>
+          <a:p>
+            <a:pPr marL="171450" indent="-171450">
+              <a:buFont typeface="Arial" panose="020B0604020202020204" pitchFamily="34" charset="0"/>
+              <a:buChar char="•"/>
+            </a:pPr>
+            <a:r>
+              <a:rPr lang="fr-FR" dirty="0" smtClean="0"/>
+              <a:t>1 repo </a:t>
+            </a:r>
+            <a:r>
+              <a:rPr lang="fr-FR" dirty="0" smtClean="0"/>
+              <a:t>local</a:t>
             </a:r>
             <a:r>
               <a:rPr lang="fr-FR" baseline="0" dirty="0" smtClean="0"/>
-              <a:t> qui doit pouvoir communiquer avec le distant</a:t>
-            </a:r>
+              <a:t> </a:t>
+            </a:r>
+            <a:endParaRPr lang="fr-FR" baseline="0" dirty="0" smtClean="0"/>
+          </a:p>
+          <a:p>
+            <a:pPr marL="171450" indent="-171450">
+              <a:buFont typeface="Arial" panose="020B0604020202020204" pitchFamily="34" charset="0"/>
+              <a:buChar char="•"/>
+            </a:pPr>
+            <a:r>
+              <a:rPr lang="fr-FR" baseline="0" dirty="0" smtClean="0"/>
+              <a:t>Le local doit </a:t>
+            </a:r>
+            <a:r>
+              <a:rPr lang="fr-FR" baseline="0" dirty="0" smtClean="0"/>
+              <a:t>pouvoir communiquer avec le </a:t>
+            </a:r>
+            <a:r>
+              <a:rPr lang="fr-FR" baseline="0" dirty="0" smtClean="0"/>
+              <a:t>distant (network, etc…)</a:t>
+            </a:r>
+            <a:endParaRPr lang="fr-FR" baseline="0" dirty="0" smtClean="0"/>
           </a:p>
           <a:p>
             <a:r>
               <a:rPr lang="fr-FR" dirty="0" smtClean="0"/>
-              <a:t>git_module04_lab01</a:t>
+              <a:t>On</a:t>
+            </a:r>
+            <a:r>
+              <a:rPr lang="fr-FR" baseline="0" dirty="0" smtClean="0"/>
+              <a:t> va travailler avec le repo distant qui se trouve maintenant sur </a:t>
+            </a:r>
+            <a:r>
+              <a:rPr lang="fr-FR" baseline="0" dirty="0" err="1" smtClean="0"/>
+              <a:t>GitHub</a:t>
+            </a:r>
+            <a:endParaRPr lang="fr-FR" dirty="0" smtClean="0"/>
+          </a:p>
+          <a:p>
+            <a:r>
+              <a:rPr lang="fr-FR" dirty="0" smtClean="0"/>
+              <a:t>git_module04_lab01 une fois l’animation terminée</a:t>
             </a:r>
             <a:endParaRPr lang="fr-FR" dirty="0"/>
           </a:p>
@@ -2731,6 +2812,91 @@
 </p:notes>
 </file>
 
+<file path=ppt/notesSlides/notesSlide26.xml><?xml version="1.0" encoding="utf-8"?>
+<p:notes xmlns:a="http://schemas.openxmlformats.org/drawingml/2006/main" xmlns:r="http://schemas.openxmlformats.org/officeDocument/2006/relationships" xmlns:p="http://schemas.openxmlformats.org/presentationml/2006/main">
+  <p:cSld>
+    <p:spTree>
+      <p:nvGrpSpPr>
+        <p:cNvPr id="1" name=""/>
+        <p:cNvGrpSpPr/>
+        <p:nvPr/>
+      </p:nvGrpSpPr>
+      <p:grpSpPr>
+        <a:xfrm>
+          <a:off x="0" y="0"/>
+          <a:ext cx="0" cy="0"/>
+          <a:chOff x="0" y="0"/>
+          <a:chExt cx="0" cy="0"/>
+        </a:xfrm>
+      </p:grpSpPr>
+      <p:sp>
+        <p:nvSpPr>
+          <p:cNvPr id="2" name="Slide Image Placeholder 1"/>
+          <p:cNvSpPr>
+            <a:spLocks noGrp="1" noRot="1" noChangeAspect="1"/>
+          </p:cNvSpPr>
+          <p:nvPr>
+            <p:ph type="sldImg"/>
+          </p:nvPr>
+        </p:nvSpPr>
+        <p:spPr/>
+      </p:sp>
+      <p:sp>
+        <p:nvSpPr>
+          <p:cNvPr id="3" name="Notes Placeholder 2"/>
+          <p:cNvSpPr>
+            <a:spLocks noGrp="1"/>
+          </p:cNvSpPr>
+          <p:nvPr>
+            <p:ph type="body" idx="1"/>
+          </p:nvPr>
+        </p:nvSpPr>
+        <p:spPr/>
+        <p:txBody>
+          <a:bodyPr/>
+          <a:lstStyle/>
+          <a:p>
+            <a:endParaRPr lang="fr-FR"/>
+          </a:p>
+        </p:txBody>
+      </p:sp>
+      <p:sp>
+        <p:nvSpPr>
+          <p:cNvPr id="4" name="Slide Number Placeholder 3"/>
+          <p:cNvSpPr>
+            <a:spLocks noGrp="1"/>
+          </p:cNvSpPr>
+          <p:nvPr>
+            <p:ph type="sldNum" sz="quarter" idx="10"/>
+          </p:nvPr>
+        </p:nvSpPr>
+        <p:spPr/>
+        <p:txBody>
+          <a:bodyPr/>
+          <a:lstStyle/>
+          <a:p>
+            <a:fld id="{903BB967-652B-44E3-AC85-B50B589029DD}" type="slidenum">
+              <a:rPr lang="fr-FR" smtClean="0"/>
+              <a:pPr/>
+              <a:t>37</a:t>
+            </a:fld>
+            <a:endParaRPr lang="fr-FR"/>
+          </a:p>
+        </p:txBody>
+      </p:sp>
+    </p:spTree>
+    <p:extLst>
+      <p:ext uri="{BB962C8B-B14F-4D97-AF65-F5344CB8AC3E}">
+        <p14:creationId xmlns:p14="http://schemas.microsoft.com/office/powerpoint/2010/main" val="626794051"/>
+      </p:ext>
+    </p:extLst>
+  </p:cSld>
+  <p:clrMapOvr>
+    <a:masterClrMapping/>
+  </p:clrMapOvr>
+</p:notes>
+</file>
+
 <file path=ppt/notesSlides/notesSlide3.xml><?xml version="1.0" encoding="utf-8"?>
 <p:notes xmlns:a="http://schemas.openxmlformats.org/drawingml/2006/main" xmlns:r="http://schemas.openxmlformats.org/officeDocument/2006/relationships" xmlns:p="http://schemas.openxmlformats.org/presentationml/2006/main">
   <p:cSld>
@@ -2888,17 +3054,64 @@
             </a:r>
             <a:r>
               <a:rPr lang="fr-FR" baseline="0" dirty="0" smtClean="0"/>
-              <a:t> synchronisé ? Comment local peut garder l’adresse de </a:t>
+              <a:t> synchronisé ? </a:t>
+            </a:r>
+            <a:endParaRPr lang="fr-FR" baseline="0" dirty="0" smtClean="0"/>
+          </a:p>
+          <a:p>
+            <a:r>
+              <a:rPr lang="fr-FR" baseline="0" dirty="0" smtClean="0"/>
+              <a:t>Comment </a:t>
+            </a:r>
+            <a:r>
+              <a:rPr lang="fr-FR" baseline="0" dirty="0" smtClean="0"/>
+              <a:t>local peut garder </a:t>
+            </a:r>
+            <a:r>
+              <a:rPr lang="fr-FR" baseline="0" dirty="0" smtClean="0"/>
+              <a:t>l’adresse </a:t>
+            </a:r>
+            <a:r>
+              <a:rPr lang="fr-FR" baseline="0" dirty="0" smtClean="0"/>
+              <a:t>de </a:t>
             </a:r>
             <a:r>
               <a:rPr lang="fr-FR" baseline="0" dirty="0" err="1" smtClean="0"/>
               <a:t>remote</a:t>
             </a:r>
             <a:r>
-              <a:rPr lang="fr-FR" baseline="0" smtClean="0"/>
-              <a:t> ?</a:t>
-            </a:r>
-            <a:endParaRPr lang="fr-FR" dirty="0"/>
+              <a:rPr lang="fr-FR" baseline="0" dirty="0" smtClean="0"/>
+              <a:t> </a:t>
+            </a:r>
+            <a:r>
+              <a:rPr lang="fr-FR" baseline="0" dirty="0" smtClean="0"/>
+              <a:t>? </a:t>
+            </a:r>
+          </a:p>
+          <a:p>
+            <a:r>
+              <a:rPr lang="fr-FR" baseline="0" dirty="0" smtClean="0"/>
+              <a:t>On enchaine sur le </a:t>
+            </a:r>
+            <a:r>
+              <a:rPr lang="fr-FR" baseline="0" dirty="0" err="1" smtClean="0"/>
+              <a:t>lab</a:t>
+            </a:r>
+            <a:r>
+              <a:rPr lang="fr-FR" baseline="0" dirty="0" smtClean="0"/>
+              <a:t>, </a:t>
+            </a:r>
+            <a:r>
+              <a:rPr lang="fr-FR" baseline="0" dirty="0" err="1" smtClean="0"/>
+              <a:t>bullet</a:t>
+            </a:r>
+            <a:r>
+              <a:rPr lang="fr-FR" baseline="0" dirty="0" smtClean="0"/>
+              <a:t> 13</a:t>
+            </a:r>
+          </a:p>
+          <a:p>
+            <a:endParaRPr lang="fr-FR" baseline="0" dirty="0" smtClean="0"/>
           </a:p>
         </p:txBody>
       </p:sp>
@@ -3193,7 +3406,36 @@
             </a:pPr>
             <a:r>
               <a:rPr lang="fr-FR" baseline="0" dirty="0" smtClean="0"/>
-              <a:t>Mais, git doit aussi garder les branches synchronisées entre les différents clones</a:t>
+              <a:t>Mais, git doit aussi garder les branches synchronisées entre les différents </a:t>
+            </a:r>
+            <a:r>
+              <a:rPr lang="fr-FR" baseline="0" dirty="0" smtClean="0"/>
+              <a:t>clones</a:t>
+            </a:r>
+          </a:p>
+          <a:p>
+            <a:pPr marL="0" indent="0">
+              <a:buNone/>
+            </a:pPr>
+            <a:r>
+              <a:rPr lang="fr-FR" baseline="0" dirty="0" smtClean="0"/>
+              <a:t>On enchaine sur le </a:t>
+            </a:r>
+            <a:r>
+              <a:rPr lang="fr-FR" baseline="0" dirty="0" err="1" smtClean="0"/>
+              <a:t>lab</a:t>
+            </a:r>
+            <a:r>
+              <a:rPr lang="fr-FR" baseline="0" dirty="0" smtClean="0"/>
+              <a:t>, </a:t>
+            </a:r>
+            <a:r>
+              <a:rPr lang="fr-FR" baseline="0" dirty="0" err="1" smtClean="0"/>
+              <a:t>bullet</a:t>
+            </a:r>
+            <a:r>
+              <a:rPr lang="fr-FR" baseline="0" dirty="0" smtClean="0"/>
+              <a:t> 19</a:t>
             </a:r>
             <a:endParaRPr lang="fr-FR" dirty="0"/>
           </a:p>
@@ -9539,7 +9781,7 @@
           <a:graphicData uri="http://schemas.openxmlformats.org/presentationml/2006/ole">
             <mc:AlternateContent xmlns:mc="http://schemas.openxmlformats.org/markup-compatibility/2006">
               <mc:Choice xmlns:v="urn:schemas-microsoft-com:vml" Requires="v">
-                <p:oleObj spid="_x0000_s6634" name="Diapositive think-cell" r:id="rId6" imgW="270" imgH="270" progId="TCLayout.ActiveDocument.1">
+                <p:oleObj spid="_x0000_s6637" name="Diapositive think-cell" r:id="rId6" imgW="270" imgH="270" progId="TCLayout.ActiveDocument.1">
                   <p:embed/>
                 </p:oleObj>
               </mc:Choice>
@@ -10288,7 +10530,7 @@
           <a:graphicData uri="http://schemas.openxmlformats.org/presentationml/2006/ole">
             <mc:AlternateContent xmlns:mc="http://schemas.openxmlformats.org/markup-compatibility/2006">
               <mc:Choice xmlns:v="urn:schemas-microsoft-com:vml" Requires="v">
-                <p:oleObj spid="_x0000_s7173" name="Diapositive think-cell" r:id="rId6" imgW="270" imgH="270" progId="TCLayout.ActiveDocument.1">
+                <p:oleObj spid="_x0000_s7176" name="Diapositive think-cell" r:id="rId6" imgW="270" imgH="270" progId="TCLayout.ActiveDocument.1">
                   <p:embed/>
                 </p:oleObj>
               </mc:Choice>
@@ -11655,7 +11897,7 @@
           <p:cNvPr id="2" name="Title 1">
             <a:extLst>
               <a:ext uri="{FF2B5EF4-FFF2-40B4-BE49-F238E27FC236}">
-                <a16:creationId xmlns:a16="http://schemas.microsoft.com/office/drawing/2014/main" xmlns="" id="{78456FD7-BB91-4376-9F54-57A4192F7D9C}"/>
+                <a16:creationId xmlns="" xmlns:a16="http://schemas.microsoft.com/office/drawing/2014/main" id="{78456FD7-BB91-4376-9F54-57A4192F7D9C}"/>
               </a:ext>
             </a:extLst>
           </p:cNvPr>
@@ -11688,7 +11930,7 @@
           <p:cNvPr id="3" name="Text Placeholder 2">
             <a:extLst>
               <a:ext uri="{FF2B5EF4-FFF2-40B4-BE49-F238E27FC236}">
-                <a16:creationId xmlns:a16="http://schemas.microsoft.com/office/drawing/2014/main" xmlns="" id="{352C0768-302F-4A6A-A9FF-BED7B68BC517}"/>
+                <a16:creationId xmlns="" xmlns:a16="http://schemas.microsoft.com/office/drawing/2014/main" id="{352C0768-302F-4A6A-A9FF-BED7B68BC517}"/>
               </a:ext>
             </a:extLst>
           </p:cNvPr>
@@ -11973,7 +12215,7 @@
           <p:cNvPr id="18" name="Oval 17">
             <a:extLst>
               <a:ext uri="{FF2B5EF4-FFF2-40B4-BE49-F238E27FC236}">
-                <a16:creationId xmlns:a16="http://schemas.microsoft.com/office/drawing/2014/main" xmlns="" id="{A8539DB9-3193-446D-AAD0-3F53798A7C20}"/>
+                <a16:creationId xmlns="" xmlns:a16="http://schemas.microsoft.com/office/drawing/2014/main" id="{A8539DB9-3193-446D-AAD0-3F53798A7C20}"/>
               </a:ext>
             </a:extLst>
           </p:cNvPr>
@@ -12029,7 +12271,7 @@
           <p:cNvPr id="19" name="Oval 18">
             <a:extLst>
               <a:ext uri="{FF2B5EF4-FFF2-40B4-BE49-F238E27FC236}">
-                <a16:creationId xmlns:a16="http://schemas.microsoft.com/office/drawing/2014/main" xmlns="" id="{A8539DB9-3193-446D-AAD0-3F53798A7C20}"/>
+                <a16:creationId xmlns="" xmlns:a16="http://schemas.microsoft.com/office/drawing/2014/main" id="{A8539DB9-3193-446D-AAD0-3F53798A7C20}"/>
               </a:ext>
             </a:extLst>
           </p:cNvPr>
@@ -12784,7 +13026,7 @@
           <p:cNvPr id="18" name="Oval 17">
             <a:extLst>
               <a:ext uri="{FF2B5EF4-FFF2-40B4-BE49-F238E27FC236}">
-                <a16:creationId xmlns:a16="http://schemas.microsoft.com/office/drawing/2014/main" xmlns="" id="{A8539DB9-3193-446D-AAD0-3F53798A7C20}"/>
+                <a16:creationId xmlns="" xmlns:a16="http://schemas.microsoft.com/office/drawing/2014/main" id="{A8539DB9-3193-446D-AAD0-3F53798A7C20}"/>
               </a:ext>
             </a:extLst>
           </p:cNvPr>
@@ -12840,7 +13082,7 @@
           <p:cNvPr id="19" name="Oval 18">
             <a:extLst>
               <a:ext uri="{FF2B5EF4-FFF2-40B4-BE49-F238E27FC236}">
-                <a16:creationId xmlns:a16="http://schemas.microsoft.com/office/drawing/2014/main" xmlns="" id="{A8539DB9-3193-446D-AAD0-3F53798A7C20}"/>
+                <a16:creationId xmlns="" xmlns:a16="http://schemas.microsoft.com/office/drawing/2014/main" id="{A8539DB9-3193-446D-AAD0-3F53798A7C20}"/>
               </a:ext>
             </a:extLst>
           </p:cNvPr>
@@ -13106,7 +13348,7 @@
           <p:cNvPr id="23" name="Oval 22">
             <a:extLst>
               <a:ext uri="{FF2B5EF4-FFF2-40B4-BE49-F238E27FC236}">
-                <a16:creationId xmlns:a16="http://schemas.microsoft.com/office/drawing/2014/main" xmlns="" id="{A8539DB9-3193-446D-AAD0-3F53798A7C20}"/>
+                <a16:creationId xmlns="" xmlns:a16="http://schemas.microsoft.com/office/drawing/2014/main" id="{A8539DB9-3193-446D-AAD0-3F53798A7C20}"/>
               </a:ext>
             </a:extLst>
           </p:cNvPr>
@@ -13229,7 +13471,7 @@
           <p:cNvPr id="25" name="Straight Arrow Connector 24">
             <a:extLst>
               <a:ext uri="{FF2B5EF4-FFF2-40B4-BE49-F238E27FC236}">
-                <a16:creationId xmlns:a16="http://schemas.microsoft.com/office/drawing/2014/main" xmlns="" id="{A47DAD0E-84A7-48D4-BBEA-C8FA08AF368E}"/>
+                <a16:creationId xmlns="" xmlns:a16="http://schemas.microsoft.com/office/drawing/2014/main" id="{A47DAD0E-84A7-48D4-BBEA-C8FA08AF368E}"/>
               </a:ext>
             </a:extLst>
           </p:cNvPr>
@@ -13721,7 +13963,7 @@
           <p:cNvPr id="18" name="Oval 17">
             <a:extLst>
               <a:ext uri="{FF2B5EF4-FFF2-40B4-BE49-F238E27FC236}">
-                <a16:creationId xmlns:a16="http://schemas.microsoft.com/office/drawing/2014/main" xmlns="" id="{A8539DB9-3193-446D-AAD0-3F53798A7C20}"/>
+                <a16:creationId xmlns="" xmlns:a16="http://schemas.microsoft.com/office/drawing/2014/main" id="{A8539DB9-3193-446D-AAD0-3F53798A7C20}"/>
               </a:ext>
             </a:extLst>
           </p:cNvPr>
@@ -13777,7 +14019,7 @@
           <p:cNvPr id="19" name="Oval 18">
             <a:extLst>
               <a:ext uri="{FF2B5EF4-FFF2-40B4-BE49-F238E27FC236}">
-                <a16:creationId xmlns:a16="http://schemas.microsoft.com/office/drawing/2014/main" xmlns="" id="{A8539DB9-3193-446D-AAD0-3F53798A7C20}"/>
+                <a16:creationId xmlns="" xmlns:a16="http://schemas.microsoft.com/office/drawing/2014/main" id="{A8539DB9-3193-446D-AAD0-3F53798A7C20}"/>
               </a:ext>
             </a:extLst>
           </p:cNvPr>
@@ -13976,7 +14218,7 @@
           <p:cNvPr id="23" name="Oval 22">
             <a:extLst>
               <a:ext uri="{FF2B5EF4-FFF2-40B4-BE49-F238E27FC236}">
-                <a16:creationId xmlns:a16="http://schemas.microsoft.com/office/drawing/2014/main" xmlns="" id="{A8539DB9-3193-446D-AAD0-3F53798A7C20}"/>
+                <a16:creationId xmlns="" xmlns:a16="http://schemas.microsoft.com/office/drawing/2014/main" id="{A8539DB9-3193-446D-AAD0-3F53798A7C20}"/>
               </a:ext>
             </a:extLst>
           </p:cNvPr>
@@ -14099,7 +14341,7 @@
           <p:cNvPr id="25" name="Straight Arrow Connector 24">
             <a:extLst>
               <a:ext uri="{FF2B5EF4-FFF2-40B4-BE49-F238E27FC236}">
-                <a16:creationId xmlns:a16="http://schemas.microsoft.com/office/drawing/2014/main" xmlns="" id="{A47DAD0E-84A7-48D4-BBEA-C8FA08AF368E}"/>
+                <a16:creationId xmlns="" xmlns:a16="http://schemas.microsoft.com/office/drawing/2014/main" id="{A47DAD0E-84A7-48D4-BBEA-C8FA08AF368E}"/>
               </a:ext>
             </a:extLst>
           </p:cNvPr>
@@ -14143,7 +14385,7 @@
           <p:cNvPr id="26" name="Oval 25">
             <a:extLst>
               <a:ext uri="{FF2B5EF4-FFF2-40B4-BE49-F238E27FC236}">
-                <a16:creationId xmlns:a16="http://schemas.microsoft.com/office/drawing/2014/main" xmlns="" id="{A8539DB9-3193-446D-AAD0-3F53798A7C20}"/>
+                <a16:creationId xmlns="" xmlns:a16="http://schemas.microsoft.com/office/drawing/2014/main" id="{A8539DB9-3193-446D-AAD0-3F53798A7C20}"/>
               </a:ext>
             </a:extLst>
           </p:cNvPr>
@@ -14199,7 +14441,7 @@
           <p:cNvPr id="27" name="Straight Arrow Connector 26">
             <a:extLst>
               <a:ext uri="{FF2B5EF4-FFF2-40B4-BE49-F238E27FC236}">
-                <a16:creationId xmlns:a16="http://schemas.microsoft.com/office/drawing/2014/main" xmlns="" id="{A47DAD0E-84A7-48D4-BBEA-C8FA08AF368E}"/>
+                <a16:creationId xmlns="" xmlns:a16="http://schemas.microsoft.com/office/drawing/2014/main" id="{A47DAD0E-84A7-48D4-BBEA-C8FA08AF368E}"/>
               </a:ext>
             </a:extLst>
           </p:cNvPr>
@@ -14940,7 +15182,7 @@
           <p:cNvPr id="18" name="Oval 17">
             <a:extLst>
               <a:ext uri="{FF2B5EF4-FFF2-40B4-BE49-F238E27FC236}">
-                <a16:creationId xmlns:a16="http://schemas.microsoft.com/office/drawing/2014/main" xmlns="" id="{A8539DB9-3193-446D-AAD0-3F53798A7C20}"/>
+                <a16:creationId xmlns="" xmlns:a16="http://schemas.microsoft.com/office/drawing/2014/main" id="{A8539DB9-3193-446D-AAD0-3F53798A7C20}"/>
               </a:ext>
             </a:extLst>
           </p:cNvPr>
@@ -14996,7 +15238,7 @@
           <p:cNvPr id="19" name="Oval 18">
             <a:extLst>
               <a:ext uri="{FF2B5EF4-FFF2-40B4-BE49-F238E27FC236}">
-                <a16:creationId xmlns:a16="http://schemas.microsoft.com/office/drawing/2014/main" xmlns="" id="{A8539DB9-3193-446D-AAD0-3F53798A7C20}"/>
+                <a16:creationId xmlns="" xmlns:a16="http://schemas.microsoft.com/office/drawing/2014/main" id="{A8539DB9-3193-446D-AAD0-3F53798A7C20}"/>
               </a:ext>
             </a:extLst>
           </p:cNvPr>
@@ -15262,7 +15504,7 @@
           <p:cNvPr id="12" name="Oval 11">
             <a:extLst>
               <a:ext uri="{FF2B5EF4-FFF2-40B4-BE49-F238E27FC236}">
-                <a16:creationId xmlns:a16="http://schemas.microsoft.com/office/drawing/2014/main" xmlns="" id="{A8539DB9-3193-446D-AAD0-3F53798A7C20}"/>
+                <a16:creationId xmlns="" xmlns:a16="http://schemas.microsoft.com/office/drawing/2014/main" id="{A8539DB9-3193-446D-AAD0-3F53798A7C20}"/>
               </a:ext>
             </a:extLst>
           </p:cNvPr>
@@ -15318,7 +15560,7 @@
           <p:cNvPr id="13" name="Straight Arrow Connector 12">
             <a:extLst>
               <a:ext uri="{FF2B5EF4-FFF2-40B4-BE49-F238E27FC236}">
-                <a16:creationId xmlns:a16="http://schemas.microsoft.com/office/drawing/2014/main" xmlns="" id="{A47DAD0E-84A7-48D4-BBEA-C8FA08AF368E}"/>
+                <a16:creationId xmlns="" xmlns:a16="http://schemas.microsoft.com/office/drawing/2014/main" id="{A47DAD0E-84A7-48D4-BBEA-C8FA08AF368E}"/>
               </a:ext>
             </a:extLst>
           </p:cNvPr>
@@ -15429,7 +15671,7 @@
           <p:cNvPr id="17" name="Oval 16">
             <a:extLst>
               <a:ext uri="{FF2B5EF4-FFF2-40B4-BE49-F238E27FC236}">
-                <a16:creationId xmlns:a16="http://schemas.microsoft.com/office/drawing/2014/main" xmlns="" id="{A8539DB9-3193-446D-AAD0-3F53798A7C20}"/>
+                <a16:creationId xmlns="" xmlns:a16="http://schemas.microsoft.com/office/drawing/2014/main" id="{A8539DB9-3193-446D-AAD0-3F53798A7C20}"/>
               </a:ext>
             </a:extLst>
           </p:cNvPr>
@@ -15485,7 +15727,7 @@
           <p:cNvPr id="23" name="Straight Arrow Connector 22">
             <a:extLst>
               <a:ext uri="{FF2B5EF4-FFF2-40B4-BE49-F238E27FC236}">
-                <a16:creationId xmlns:a16="http://schemas.microsoft.com/office/drawing/2014/main" xmlns="" id="{A47DAD0E-84A7-48D4-BBEA-C8FA08AF368E}"/>
+                <a16:creationId xmlns="" xmlns:a16="http://schemas.microsoft.com/office/drawing/2014/main" id="{A47DAD0E-84A7-48D4-BBEA-C8FA08AF368E}"/>
               </a:ext>
             </a:extLst>
           </p:cNvPr>
@@ -16209,7 +16451,7 @@
           <p:cNvPr id="18" name="Oval 17">
             <a:extLst>
               <a:ext uri="{FF2B5EF4-FFF2-40B4-BE49-F238E27FC236}">
-                <a16:creationId xmlns:a16="http://schemas.microsoft.com/office/drawing/2014/main" xmlns="" id="{A8539DB9-3193-446D-AAD0-3F53798A7C20}"/>
+                <a16:creationId xmlns="" xmlns:a16="http://schemas.microsoft.com/office/drawing/2014/main" id="{A8539DB9-3193-446D-AAD0-3F53798A7C20}"/>
               </a:ext>
             </a:extLst>
           </p:cNvPr>
@@ -16265,7 +16507,7 @@
           <p:cNvPr id="19" name="Oval 18">
             <a:extLst>
               <a:ext uri="{FF2B5EF4-FFF2-40B4-BE49-F238E27FC236}">
-                <a16:creationId xmlns:a16="http://schemas.microsoft.com/office/drawing/2014/main" xmlns="" id="{A8539DB9-3193-446D-AAD0-3F53798A7C20}"/>
+                <a16:creationId xmlns="" xmlns:a16="http://schemas.microsoft.com/office/drawing/2014/main" id="{A8539DB9-3193-446D-AAD0-3F53798A7C20}"/>
               </a:ext>
             </a:extLst>
           </p:cNvPr>
@@ -16397,7 +16639,7 @@
           <p:cNvPr id="12" name="Oval 11">
             <a:extLst>
               <a:ext uri="{FF2B5EF4-FFF2-40B4-BE49-F238E27FC236}">
-                <a16:creationId xmlns:a16="http://schemas.microsoft.com/office/drawing/2014/main" xmlns="" id="{A8539DB9-3193-446D-AAD0-3F53798A7C20}"/>
+                <a16:creationId xmlns="" xmlns:a16="http://schemas.microsoft.com/office/drawing/2014/main" id="{A8539DB9-3193-446D-AAD0-3F53798A7C20}"/>
               </a:ext>
             </a:extLst>
           </p:cNvPr>
@@ -16453,7 +16695,7 @@
           <p:cNvPr id="13" name="Straight Arrow Connector 12">
             <a:extLst>
               <a:ext uri="{FF2B5EF4-FFF2-40B4-BE49-F238E27FC236}">
-                <a16:creationId xmlns:a16="http://schemas.microsoft.com/office/drawing/2014/main" xmlns="" id="{A47DAD0E-84A7-48D4-BBEA-C8FA08AF368E}"/>
+                <a16:creationId xmlns="" xmlns:a16="http://schemas.microsoft.com/office/drawing/2014/main" id="{A47DAD0E-84A7-48D4-BBEA-C8FA08AF368E}"/>
               </a:ext>
             </a:extLst>
           </p:cNvPr>
@@ -16564,7 +16806,7 @@
           <p:cNvPr id="17" name="Oval 16">
             <a:extLst>
               <a:ext uri="{FF2B5EF4-FFF2-40B4-BE49-F238E27FC236}">
-                <a16:creationId xmlns:a16="http://schemas.microsoft.com/office/drawing/2014/main" xmlns="" id="{A8539DB9-3193-446D-AAD0-3F53798A7C20}"/>
+                <a16:creationId xmlns="" xmlns:a16="http://schemas.microsoft.com/office/drawing/2014/main" id="{A8539DB9-3193-446D-AAD0-3F53798A7C20}"/>
               </a:ext>
             </a:extLst>
           </p:cNvPr>
@@ -16620,7 +16862,7 @@
           <p:cNvPr id="23" name="Straight Arrow Connector 22">
             <a:extLst>
               <a:ext uri="{FF2B5EF4-FFF2-40B4-BE49-F238E27FC236}">
-                <a16:creationId xmlns:a16="http://schemas.microsoft.com/office/drawing/2014/main" xmlns="" id="{A47DAD0E-84A7-48D4-BBEA-C8FA08AF368E}"/>
+                <a16:creationId xmlns="" xmlns:a16="http://schemas.microsoft.com/office/drawing/2014/main" id="{A47DAD0E-84A7-48D4-BBEA-C8FA08AF368E}"/>
               </a:ext>
             </a:extLst>
           </p:cNvPr>
@@ -16975,7 +17217,7 @@
           <p:cNvPr id="18" name="Oval 17">
             <a:extLst>
               <a:ext uri="{FF2B5EF4-FFF2-40B4-BE49-F238E27FC236}">
-                <a16:creationId xmlns:a16="http://schemas.microsoft.com/office/drawing/2014/main" xmlns="" id="{A8539DB9-3193-446D-AAD0-3F53798A7C20}"/>
+                <a16:creationId xmlns="" xmlns:a16="http://schemas.microsoft.com/office/drawing/2014/main" id="{A8539DB9-3193-446D-AAD0-3F53798A7C20}"/>
               </a:ext>
             </a:extLst>
           </p:cNvPr>
@@ -17031,7 +17273,7 @@
           <p:cNvPr id="19" name="Oval 18">
             <a:extLst>
               <a:ext uri="{FF2B5EF4-FFF2-40B4-BE49-F238E27FC236}">
-                <a16:creationId xmlns:a16="http://schemas.microsoft.com/office/drawing/2014/main" xmlns="" id="{A8539DB9-3193-446D-AAD0-3F53798A7C20}"/>
+                <a16:creationId xmlns="" xmlns:a16="http://schemas.microsoft.com/office/drawing/2014/main" id="{A8539DB9-3193-446D-AAD0-3F53798A7C20}"/>
               </a:ext>
             </a:extLst>
           </p:cNvPr>
@@ -17163,7 +17405,7 @@
           <p:cNvPr id="12" name="Oval 11">
             <a:extLst>
               <a:ext uri="{FF2B5EF4-FFF2-40B4-BE49-F238E27FC236}">
-                <a16:creationId xmlns:a16="http://schemas.microsoft.com/office/drawing/2014/main" xmlns="" id="{A8539DB9-3193-446D-AAD0-3F53798A7C20}"/>
+                <a16:creationId xmlns="" xmlns:a16="http://schemas.microsoft.com/office/drawing/2014/main" id="{A8539DB9-3193-446D-AAD0-3F53798A7C20}"/>
               </a:ext>
             </a:extLst>
           </p:cNvPr>
@@ -17219,7 +17461,7 @@
           <p:cNvPr id="13" name="Straight Arrow Connector 12">
             <a:extLst>
               <a:ext uri="{FF2B5EF4-FFF2-40B4-BE49-F238E27FC236}">
-                <a16:creationId xmlns:a16="http://schemas.microsoft.com/office/drawing/2014/main" xmlns="" id="{A47DAD0E-84A7-48D4-BBEA-C8FA08AF368E}"/>
+                <a16:creationId xmlns="" xmlns:a16="http://schemas.microsoft.com/office/drawing/2014/main" id="{A47DAD0E-84A7-48D4-BBEA-C8FA08AF368E}"/>
               </a:ext>
             </a:extLst>
           </p:cNvPr>
@@ -17330,7 +17572,7 @@
           <p:cNvPr id="17" name="Oval 16">
             <a:extLst>
               <a:ext uri="{FF2B5EF4-FFF2-40B4-BE49-F238E27FC236}">
-                <a16:creationId xmlns:a16="http://schemas.microsoft.com/office/drawing/2014/main" xmlns="" id="{A8539DB9-3193-446D-AAD0-3F53798A7C20}"/>
+                <a16:creationId xmlns="" xmlns:a16="http://schemas.microsoft.com/office/drawing/2014/main" id="{A8539DB9-3193-446D-AAD0-3F53798A7C20}"/>
               </a:ext>
             </a:extLst>
           </p:cNvPr>
@@ -17386,7 +17628,7 @@
           <p:cNvPr id="23" name="Straight Arrow Connector 22">
             <a:extLst>
               <a:ext uri="{FF2B5EF4-FFF2-40B4-BE49-F238E27FC236}">
-                <a16:creationId xmlns:a16="http://schemas.microsoft.com/office/drawing/2014/main" xmlns="" id="{A47DAD0E-84A7-48D4-BBEA-C8FA08AF368E}"/>
+                <a16:creationId xmlns="" xmlns:a16="http://schemas.microsoft.com/office/drawing/2014/main" id="{A47DAD0E-84A7-48D4-BBEA-C8FA08AF368E}"/>
               </a:ext>
             </a:extLst>
           </p:cNvPr>
@@ -17497,7 +17739,7 @@
           <p:cNvPr id="27" name="Oval 26">
             <a:extLst>
               <a:ext uri="{FF2B5EF4-FFF2-40B4-BE49-F238E27FC236}">
-                <a16:creationId xmlns:a16="http://schemas.microsoft.com/office/drawing/2014/main" xmlns="" id="{A8539DB9-3193-446D-AAD0-3F53798A7C20}"/>
+                <a16:creationId xmlns="" xmlns:a16="http://schemas.microsoft.com/office/drawing/2014/main" id="{A8539DB9-3193-446D-AAD0-3F53798A7C20}"/>
               </a:ext>
             </a:extLst>
           </p:cNvPr>
@@ -17553,7 +17795,7 @@
           <p:cNvPr id="28" name="Straight Arrow Connector 27">
             <a:extLst>
               <a:ext uri="{FF2B5EF4-FFF2-40B4-BE49-F238E27FC236}">
-                <a16:creationId xmlns:a16="http://schemas.microsoft.com/office/drawing/2014/main" xmlns="" id="{A47DAD0E-84A7-48D4-BBEA-C8FA08AF368E}"/>
+                <a16:creationId xmlns="" xmlns:a16="http://schemas.microsoft.com/office/drawing/2014/main" id="{A47DAD0E-84A7-48D4-BBEA-C8FA08AF368E}"/>
               </a:ext>
             </a:extLst>
           </p:cNvPr>
@@ -18345,7 +18587,7 @@
           <p:cNvPr id="18" name="Oval 17">
             <a:extLst>
               <a:ext uri="{FF2B5EF4-FFF2-40B4-BE49-F238E27FC236}">
-                <a16:creationId xmlns:a16="http://schemas.microsoft.com/office/drawing/2014/main" xmlns="" id="{A8539DB9-3193-446D-AAD0-3F53798A7C20}"/>
+                <a16:creationId xmlns="" xmlns:a16="http://schemas.microsoft.com/office/drawing/2014/main" id="{A8539DB9-3193-446D-AAD0-3F53798A7C20}"/>
               </a:ext>
             </a:extLst>
           </p:cNvPr>
@@ -18401,7 +18643,7 @@
           <p:cNvPr id="19" name="Oval 18">
             <a:extLst>
               <a:ext uri="{FF2B5EF4-FFF2-40B4-BE49-F238E27FC236}">
-                <a16:creationId xmlns:a16="http://schemas.microsoft.com/office/drawing/2014/main" xmlns="" id="{A8539DB9-3193-446D-AAD0-3F53798A7C20}"/>
+                <a16:creationId xmlns="" xmlns:a16="http://schemas.microsoft.com/office/drawing/2014/main" id="{A8539DB9-3193-446D-AAD0-3F53798A7C20}"/>
               </a:ext>
             </a:extLst>
           </p:cNvPr>
@@ -18533,7 +18775,7 @@
           <p:cNvPr id="12" name="Oval 11">
             <a:extLst>
               <a:ext uri="{FF2B5EF4-FFF2-40B4-BE49-F238E27FC236}">
-                <a16:creationId xmlns:a16="http://schemas.microsoft.com/office/drawing/2014/main" xmlns="" id="{A8539DB9-3193-446D-AAD0-3F53798A7C20}"/>
+                <a16:creationId xmlns="" xmlns:a16="http://schemas.microsoft.com/office/drawing/2014/main" id="{A8539DB9-3193-446D-AAD0-3F53798A7C20}"/>
               </a:ext>
             </a:extLst>
           </p:cNvPr>
@@ -18589,7 +18831,7 @@
           <p:cNvPr id="13" name="Straight Arrow Connector 12">
             <a:extLst>
               <a:ext uri="{FF2B5EF4-FFF2-40B4-BE49-F238E27FC236}">
-                <a16:creationId xmlns:a16="http://schemas.microsoft.com/office/drawing/2014/main" xmlns="" id="{A47DAD0E-84A7-48D4-BBEA-C8FA08AF368E}"/>
+                <a16:creationId xmlns="" xmlns:a16="http://schemas.microsoft.com/office/drawing/2014/main" id="{A47DAD0E-84A7-48D4-BBEA-C8FA08AF368E}"/>
               </a:ext>
             </a:extLst>
           </p:cNvPr>
@@ -18700,7 +18942,7 @@
           <p:cNvPr id="17" name="Oval 16">
             <a:extLst>
               <a:ext uri="{FF2B5EF4-FFF2-40B4-BE49-F238E27FC236}">
-                <a16:creationId xmlns:a16="http://schemas.microsoft.com/office/drawing/2014/main" xmlns="" id="{A8539DB9-3193-446D-AAD0-3F53798A7C20}"/>
+                <a16:creationId xmlns="" xmlns:a16="http://schemas.microsoft.com/office/drawing/2014/main" id="{A8539DB9-3193-446D-AAD0-3F53798A7C20}"/>
               </a:ext>
             </a:extLst>
           </p:cNvPr>
@@ -18756,7 +18998,7 @@
           <p:cNvPr id="23" name="Straight Arrow Connector 22">
             <a:extLst>
               <a:ext uri="{FF2B5EF4-FFF2-40B4-BE49-F238E27FC236}">
-                <a16:creationId xmlns:a16="http://schemas.microsoft.com/office/drawing/2014/main" xmlns="" id="{A47DAD0E-84A7-48D4-BBEA-C8FA08AF368E}"/>
+                <a16:creationId xmlns="" xmlns:a16="http://schemas.microsoft.com/office/drawing/2014/main" id="{A47DAD0E-84A7-48D4-BBEA-C8FA08AF368E}"/>
               </a:ext>
             </a:extLst>
           </p:cNvPr>
@@ -19115,7 +19357,7 @@
           <p:cNvPr id="18" name="Oval 17">
             <a:extLst>
               <a:ext uri="{FF2B5EF4-FFF2-40B4-BE49-F238E27FC236}">
-                <a16:creationId xmlns:a16="http://schemas.microsoft.com/office/drawing/2014/main" xmlns="" id="{A8539DB9-3193-446D-AAD0-3F53798A7C20}"/>
+                <a16:creationId xmlns="" xmlns:a16="http://schemas.microsoft.com/office/drawing/2014/main" id="{A8539DB9-3193-446D-AAD0-3F53798A7C20}"/>
               </a:ext>
             </a:extLst>
           </p:cNvPr>
@@ -19171,7 +19413,7 @@
           <p:cNvPr id="19" name="Oval 18">
             <a:extLst>
               <a:ext uri="{FF2B5EF4-FFF2-40B4-BE49-F238E27FC236}">
-                <a16:creationId xmlns:a16="http://schemas.microsoft.com/office/drawing/2014/main" xmlns="" id="{A8539DB9-3193-446D-AAD0-3F53798A7C20}"/>
+                <a16:creationId xmlns="" xmlns:a16="http://schemas.microsoft.com/office/drawing/2014/main" id="{A8539DB9-3193-446D-AAD0-3F53798A7C20}"/>
               </a:ext>
             </a:extLst>
           </p:cNvPr>
@@ -19303,7 +19545,7 @@
           <p:cNvPr id="12" name="Oval 11">
             <a:extLst>
               <a:ext uri="{FF2B5EF4-FFF2-40B4-BE49-F238E27FC236}">
-                <a16:creationId xmlns:a16="http://schemas.microsoft.com/office/drawing/2014/main" xmlns="" id="{A8539DB9-3193-446D-AAD0-3F53798A7C20}"/>
+                <a16:creationId xmlns="" xmlns:a16="http://schemas.microsoft.com/office/drawing/2014/main" id="{A8539DB9-3193-446D-AAD0-3F53798A7C20}"/>
               </a:ext>
             </a:extLst>
           </p:cNvPr>
@@ -19359,7 +19601,7 @@
           <p:cNvPr id="13" name="Straight Arrow Connector 12">
             <a:extLst>
               <a:ext uri="{FF2B5EF4-FFF2-40B4-BE49-F238E27FC236}">
-                <a16:creationId xmlns:a16="http://schemas.microsoft.com/office/drawing/2014/main" xmlns="" id="{A47DAD0E-84A7-48D4-BBEA-C8FA08AF368E}"/>
+                <a16:creationId xmlns="" xmlns:a16="http://schemas.microsoft.com/office/drawing/2014/main" id="{A47DAD0E-84A7-48D4-BBEA-C8FA08AF368E}"/>
               </a:ext>
             </a:extLst>
           </p:cNvPr>
@@ -19470,7 +19712,7 @@
           <p:cNvPr id="17" name="Oval 16">
             <a:extLst>
               <a:ext uri="{FF2B5EF4-FFF2-40B4-BE49-F238E27FC236}">
-                <a16:creationId xmlns:a16="http://schemas.microsoft.com/office/drawing/2014/main" xmlns="" id="{A8539DB9-3193-446D-AAD0-3F53798A7C20}"/>
+                <a16:creationId xmlns="" xmlns:a16="http://schemas.microsoft.com/office/drawing/2014/main" id="{A8539DB9-3193-446D-AAD0-3F53798A7C20}"/>
               </a:ext>
             </a:extLst>
           </p:cNvPr>
@@ -19526,7 +19768,7 @@
           <p:cNvPr id="23" name="Straight Arrow Connector 22">
             <a:extLst>
               <a:ext uri="{FF2B5EF4-FFF2-40B4-BE49-F238E27FC236}">
-                <a16:creationId xmlns:a16="http://schemas.microsoft.com/office/drawing/2014/main" xmlns="" id="{A47DAD0E-84A7-48D4-BBEA-C8FA08AF368E}"/>
+                <a16:creationId xmlns="" xmlns:a16="http://schemas.microsoft.com/office/drawing/2014/main" id="{A47DAD0E-84A7-48D4-BBEA-C8FA08AF368E}"/>
               </a:ext>
             </a:extLst>
           </p:cNvPr>
@@ -19637,7 +19879,7 @@
           <p:cNvPr id="22" name="Oval 21">
             <a:extLst>
               <a:ext uri="{FF2B5EF4-FFF2-40B4-BE49-F238E27FC236}">
-                <a16:creationId xmlns:a16="http://schemas.microsoft.com/office/drawing/2014/main" xmlns="" id="{A8539DB9-3193-446D-AAD0-3F53798A7C20}"/>
+                <a16:creationId xmlns="" xmlns:a16="http://schemas.microsoft.com/office/drawing/2014/main" id="{A8539DB9-3193-446D-AAD0-3F53798A7C20}"/>
               </a:ext>
             </a:extLst>
           </p:cNvPr>
@@ -19693,7 +19935,7 @@
           <p:cNvPr id="25" name="Straight Arrow Connector 24">
             <a:extLst>
               <a:ext uri="{FF2B5EF4-FFF2-40B4-BE49-F238E27FC236}">
-                <a16:creationId xmlns:a16="http://schemas.microsoft.com/office/drawing/2014/main" xmlns="" id="{A47DAD0E-84A7-48D4-BBEA-C8FA08AF368E}"/>
+                <a16:creationId xmlns="" xmlns:a16="http://schemas.microsoft.com/office/drawing/2014/main" id="{A47DAD0E-84A7-48D4-BBEA-C8FA08AF368E}"/>
               </a:ext>
             </a:extLst>
           </p:cNvPr>
@@ -19813,7 +20055,7 @@
           <p:cNvPr id="28" name="Oval 27">
             <a:extLst>
               <a:ext uri="{FF2B5EF4-FFF2-40B4-BE49-F238E27FC236}">
-                <a16:creationId xmlns:a16="http://schemas.microsoft.com/office/drawing/2014/main" xmlns="" id="{A8539DB9-3193-446D-AAD0-3F53798A7C20}"/>
+                <a16:creationId xmlns="" xmlns:a16="http://schemas.microsoft.com/office/drawing/2014/main" id="{A8539DB9-3193-446D-AAD0-3F53798A7C20}"/>
               </a:ext>
             </a:extLst>
           </p:cNvPr>
@@ -19871,7 +20113,7 @@
           <p:cNvPr id="30" name="Straight Arrow Connector 29">
             <a:extLst>
               <a:ext uri="{FF2B5EF4-FFF2-40B4-BE49-F238E27FC236}">
-                <a16:creationId xmlns:a16="http://schemas.microsoft.com/office/drawing/2014/main" xmlns="" id="{A47DAD0E-84A7-48D4-BBEA-C8FA08AF368E}"/>
+                <a16:creationId xmlns="" xmlns:a16="http://schemas.microsoft.com/office/drawing/2014/main" id="{A47DAD0E-84A7-48D4-BBEA-C8FA08AF368E}"/>
               </a:ext>
             </a:extLst>
           </p:cNvPr>
@@ -19915,7 +20157,7 @@
           <p:cNvPr id="31" name="Straight Arrow Connector 30">
             <a:extLst>
               <a:ext uri="{FF2B5EF4-FFF2-40B4-BE49-F238E27FC236}">
-                <a16:creationId xmlns:a16="http://schemas.microsoft.com/office/drawing/2014/main" xmlns="" id="{A47DAD0E-84A7-48D4-BBEA-C8FA08AF368E}"/>
+                <a16:creationId xmlns="" xmlns:a16="http://schemas.microsoft.com/office/drawing/2014/main" id="{A47DAD0E-84A7-48D4-BBEA-C8FA08AF368E}"/>
               </a:ext>
             </a:extLst>
           </p:cNvPr>
@@ -20652,7 +20894,7 @@
           <p:cNvPr id="19" name="Oval 18">
             <a:extLst>
               <a:ext uri="{FF2B5EF4-FFF2-40B4-BE49-F238E27FC236}">
-                <a16:creationId xmlns:a16="http://schemas.microsoft.com/office/drawing/2014/main" xmlns="" id="{A8539DB9-3193-446D-AAD0-3F53798A7C20}"/>
+                <a16:creationId xmlns="" xmlns:a16="http://schemas.microsoft.com/office/drawing/2014/main" id="{A8539DB9-3193-446D-AAD0-3F53798A7C20}"/>
               </a:ext>
             </a:extLst>
           </p:cNvPr>
@@ -20784,7 +21026,7 @@
           <p:cNvPr id="12" name="Oval 11">
             <a:extLst>
               <a:ext uri="{FF2B5EF4-FFF2-40B4-BE49-F238E27FC236}">
-                <a16:creationId xmlns:a16="http://schemas.microsoft.com/office/drawing/2014/main" xmlns="" id="{A8539DB9-3193-446D-AAD0-3F53798A7C20}"/>
+                <a16:creationId xmlns="" xmlns:a16="http://schemas.microsoft.com/office/drawing/2014/main" id="{A8539DB9-3193-446D-AAD0-3F53798A7C20}"/>
               </a:ext>
             </a:extLst>
           </p:cNvPr>
@@ -20840,7 +21082,7 @@
           <p:cNvPr id="13" name="Straight Arrow Connector 12">
             <a:extLst>
               <a:ext uri="{FF2B5EF4-FFF2-40B4-BE49-F238E27FC236}">
-                <a16:creationId xmlns:a16="http://schemas.microsoft.com/office/drawing/2014/main" xmlns="" id="{A47DAD0E-84A7-48D4-BBEA-C8FA08AF368E}"/>
+                <a16:creationId xmlns="" xmlns:a16="http://schemas.microsoft.com/office/drawing/2014/main" id="{A47DAD0E-84A7-48D4-BBEA-C8FA08AF368E}"/>
               </a:ext>
             </a:extLst>
           </p:cNvPr>
@@ -20884,7 +21126,7 @@
           <p:cNvPr id="22" name="Oval 21">
             <a:extLst>
               <a:ext uri="{FF2B5EF4-FFF2-40B4-BE49-F238E27FC236}">
-                <a16:creationId xmlns:a16="http://schemas.microsoft.com/office/drawing/2014/main" xmlns="" id="{A8539DB9-3193-446D-AAD0-3F53798A7C20}"/>
+                <a16:creationId xmlns="" xmlns:a16="http://schemas.microsoft.com/office/drawing/2014/main" id="{A8539DB9-3193-446D-AAD0-3F53798A7C20}"/>
               </a:ext>
             </a:extLst>
           </p:cNvPr>
@@ -20940,7 +21182,7 @@
           <p:cNvPr id="25" name="Straight Arrow Connector 24">
             <a:extLst>
               <a:ext uri="{FF2B5EF4-FFF2-40B4-BE49-F238E27FC236}">
-                <a16:creationId xmlns:a16="http://schemas.microsoft.com/office/drawing/2014/main" xmlns="" id="{A47DAD0E-84A7-48D4-BBEA-C8FA08AF368E}"/>
+                <a16:creationId xmlns="" xmlns:a16="http://schemas.microsoft.com/office/drawing/2014/main" id="{A47DAD0E-84A7-48D4-BBEA-C8FA08AF368E}"/>
               </a:ext>
             </a:extLst>
           </p:cNvPr>
@@ -21060,7 +21302,7 @@
           <p:cNvPr id="28" name="Oval 27">
             <a:extLst>
               <a:ext uri="{FF2B5EF4-FFF2-40B4-BE49-F238E27FC236}">
-                <a16:creationId xmlns:a16="http://schemas.microsoft.com/office/drawing/2014/main" xmlns="" id="{A8539DB9-3193-446D-AAD0-3F53798A7C20}"/>
+                <a16:creationId xmlns="" xmlns:a16="http://schemas.microsoft.com/office/drawing/2014/main" id="{A8539DB9-3193-446D-AAD0-3F53798A7C20}"/>
               </a:ext>
             </a:extLst>
           </p:cNvPr>
@@ -21118,7 +21360,7 @@
           <p:cNvPr id="30" name="Straight Arrow Connector 29">
             <a:extLst>
               <a:ext uri="{FF2B5EF4-FFF2-40B4-BE49-F238E27FC236}">
-                <a16:creationId xmlns:a16="http://schemas.microsoft.com/office/drawing/2014/main" xmlns="" id="{A47DAD0E-84A7-48D4-BBEA-C8FA08AF368E}"/>
+                <a16:creationId xmlns="" xmlns:a16="http://schemas.microsoft.com/office/drawing/2014/main" id="{A47DAD0E-84A7-48D4-BBEA-C8FA08AF368E}"/>
               </a:ext>
             </a:extLst>
           </p:cNvPr>
@@ -21162,7 +21404,7 @@
           <p:cNvPr id="31" name="Straight Arrow Connector 30">
             <a:extLst>
               <a:ext uri="{FF2B5EF4-FFF2-40B4-BE49-F238E27FC236}">
-                <a16:creationId xmlns:a16="http://schemas.microsoft.com/office/drawing/2014/main" xmlns="" id="{A47DAD0E-84A7-48D4-BBEA-C8FA08AF368E}"/>
+                <a16:creationId xmlns="" xmlns:a16="http://schemas.microsoft.com/office/drawing/2014/main" id="{A47DAD0E-84A7-48D4-BBEA-C8FA08AF368E}"/>
               </a:ext>
             </a:extLst>
           </p:cNvPr>
@@ -21273,7 +21515,7 @@
           <p:cNvPr id="27" name="Oval 26">
             <a:extLst>
               <a:ext uri="{FF2B5EF4-FFF2-40B4-BE49-F238E27FC236}">
-                <a16:creationId xmlns:a16="http://schemas.microsoft.com/office/drawing/2014/main" xmlns="" id="{A8539DB9-3193-446D-AAD0-3F53798A7C20}"/>
+                <a16:creationId xmlns="" xmlns:a16="http://schemas.microsoft.com/office/drawing/2014/main" id="{A8539DB9-3193-446D-AAD0-3F53798A7C20}"/>
               </a:ext>
             </a:extLst>
           </p:cNvPr>
@@ -21329,7 +21571,7 @@
           <p:cNvPr id="29" name="Oval 28">
             <a:extLst>
               <a:ext uri="{FF2B5EF4-FFF2-40B4-BE49-F238E27FC236}">
-                <a16:creationId xmlns:a16="http://schemas.microsoft.com/office/drawing/2014/main" xmlns="" id="{A8539DB9-3193-446D-AAD0-3F53798A7C20}"/>
+                <a16:creationId xmlns="" xmlns:a16="http://schemas.microsoft.com/office/drawing/2014/main" id="{A8539DB9-3193-446D-AAD0-3F53798A7C20}"/>
               </a:ext>
             </a:extLst>
           </p:cNvPr>
@@ -21385,7 +21627,7 @@
           <p:cNvPr id="32" name="Straight Arrow Connector 31">
             <a:extLst>
               <a:ext uri="{FF2B5EF4-FFF2-40B4-BE49-F238E27FC236}">
-                <a16:creationId xmlns:a16="http://schemas.microsoft.com/office/drawing/2014/main" xmlns="" id="{A47DAD0E-84A7-48D4-BBEA-C8FA08AF368E}"/>
+                <a16:creationId xmlns="" xmlns:a16="http://schemas.microsoft.com/office/drawing/2014/main" id="{A47DAD0E-84A7-48D4-BBEA-C8FA08AF368E}"/>
               </a:ext>
             </a:extLst>
           </p:cNvPr>
@@ -21496,7 +21738,7 @@
           <p:cNvPr id="35" name="Oval 34">
             <a:extLst>
               <a:ext uri="{FF2B5EF4-FFF2-40B4-BE49-F238E27FC236}">
-                <a16:creationId xmlns:a16="http://schemas.microsoft.com/office/drawing/2014/main" xmlns="" id="{A8539DB9-3193-446D-AAD0-3F53798A7C20}"/>
+                <a16:creationId xmlns="" xmlns:a16="http://schemas.microsoft.com/office/drawing/2014/main" id="{A8539DB9-3193-446D-AAD0-3F53798A7C20}"/>
               </a:ext>
             </a:extLst>
           </p:cNvPr>
@@ -21552,7 +21794,7 @@
           <p:cNvPr id="36" name="Straight Arrow Connector 35">
             <a:extLst>
               <a:ext uri="{FF2B5EF4-FFF2-40B4-BE49-F238E27FC236}">
-                <a16:creationId xmlns:a16="http://schemas.microsoft.com/office/drawing/2014/main" xmlns="" id="{A47DAD0E-84A7-48D4-BBEA-C8FA08AF368E}"/>
+                <a16:creationId xmlns="" xmlns:a16="http://schemas.microsoft.com/office/drawing/2014/main" id="{A47DAD0E-84A7-48D4-BBEA-C8FA08AF368E}"/>
               </a:ext>
             </a:extLst>
           </p:cNvPr>
@@ -21596,7 +21838,7 @@
           <p:cNvPr id="37" name="Oval 36">
             <a:extLst>
               <a:ext uri="{FF2B5EF4-FFF2-40B4-BE49-F238E27FC236}">
-                <a16:creationId xmlns:a16="http://schemas.microsoft.com/office/drawing/2014/main" xmlns="" id="{A8539DB9-3193-446D-AAD0-3F53798A7C20}"/>
+                <a16:creationId xmlns="" xmlns:a16="http://schemas.microsoft.com/office/drawing/2014/main" id="{A8539DB9-3193-446D-AAD0-3F53798A7C20}"/>
               </a:ext>
             </a:extLst>
           </p:cNvPr>
@@ -21654,7 +21896,7 @@
           <p:cNvPr id="38" name="Straight Arrow Connector 37">
             <a:extLst>
               <a:ext uri="{FF2B5EF4-FFF2-40B4-BE49-F238E27FC236}">
-                <a16:creationId xmlns:a16="http://schemas.microsoft.com/office/drawing/2014/main" xmlns="" id="{A47DAD0E-84A7-48D4-BBEA-C8FA08AF368E}"/>
+                <a16:creationId xmlns="" xmlns:a16="http://schemas.microsoft.com/office/drawing/2014/main" id="{A47DAD0E-84A7-48D4-BBEA-C8FA08AF368E}"/>
               </a:ext>
             </a:extLst>
           </p:cNvPr>
@@ -21698,7 +21940,7 @@
           <p:cNvPr id="39" name="Straight Arrow Connector 38">
             <a:extLst>
               <a:ext uri="{FF2B5EF4-FFF2-40B4-BE49-F238E27FC236}">
-                <a16:creationId xmlns:a16="http://schemas.microsoft.com/office/drawing/2014/main" xmlns="" id="{A47DAD0E-84A7-48D4-BBEA-C8FA08AF368E}"/>
+                <a16:creationId xmlns="" xmlns:a16="http://schemas.microsoft.com/office/drawing/2014/main" id="{A47DAD0E-84A7-48D4-BBEA-C8FA08AF368E}"/>
               </a:ext>
             </a:extLst>
           </p:cNvPr>
@@ -22428,7 +22670,7 @@
           <p:cNvPr id="6" name="Picture 5">
             <a:extLst>
               <a:ext uri="{FF2B5EF4-FFF2-40B4-BE49-F238E27FC236}">
-                <a16:creationId xmlns:a16="http://schemas.microsoft.com/office/drawing/2014/main" xmlns="" id="{E008011F-F481-44B1-A7AA-A403E3E4CC96}"/>
+                <a16:creationId xmlns="" xmlns:a16="http://schemas.microsoft.com/office/drawing/2014/main" id="{E008011F-F481-44B1-A7AA-A403E3E4CC96}"/>
               </a:ext>
             </a:extLst>
           </p:cNvPr>
@@ -22801,7 +23043,7 @@
           <p:cNvPr id="19" name="Oval 18">
             <a:extLst>
               <a:ext uri="{FF2B5EF4-FFF2-40B4-BE49-F238E27FC236}">
-                <a16:creationId xmlns:a16="http://schemas.microsoft.com/office/drawing/2014/main" xmlns="" id="{A8539DB9-3193-446D-AAD0-3F53798A7C20}"/>
+                <a16:creationId xmlns="" xmlns:a16="http://schemas.microsoft.com/office/drawing/2014/main" id="{A8539DB9-3193-446D-AAD0-3F53798A7C20}"/>
               </a:ext>
             </a:extLst>
           </p:cNvPr>
@@ -22857,7 +23099,7 @@
           <p:cNvPr id="27" name="Oval 26">
             <a:extLst>
               <a:ext uri="{FF2B5EF4-FFF2-40B4-BE49-F238E27FC236}">
-                <a16:creationId xmlns:a16="http://schemas.microsoft.com/office/drawing/2014/main" xmlns="" id="{A8539DB9-3193-446D-AAD0-3F53798A7C20}"/>
+                <a16:creationId xmlns="" xmlns:a16="http://schemas.microsoft.com/office/drawing/2014/main" id="{A8539DB9-3193-446D-AAD0-3F53798A7C20}"/>
               </a:ext>
             </a:extLst>
           </p:cNvPr>
@@ -22980,7 +23222,7 @@
           <p:cNvPr id="39" name="Straight Arrow Connector 38">
             <a:extLst>
               <a:ext uri="{FF2B5EF4-FFF2-40B4-BE49-F238E27FC236}">
-                <a16:creationId xmlns:a16="http://schemas.microsoft.com/office/drawing/2014/main" xmlns="" id="{A47DAD0E-84A7-48D4-BBEA-C8FA08AF368E}"/>
+                <a16:creationId xmlns="" xmlns:a16="http://schemas.microsoft.com/office/drawing/2014/main" id="{A47DAD0E-84A7-48D4-BBEA-C8FA08AF368E}"/>
               </a:ext>
             </a:extLst>
           </p:cNvPr>
@@ -23024,7 +23266,7 @@
           <p:cNvPr id="43" name="Oval 42">
             <a:extLst>
               <a:ext uri="{FF2B5EF4-FFF2-40B4-BE49-F238E27FC236}">
-                <a16:creationId xmlns:a16="http://schemas.microsoft.com/office/drawing/2014/main" xmlns="" id="{A8539DB9-3193-446D-AAD0-3F53798A7C20}"/>
+                <a16:creationId xmlns="" xmlns:a16="http://schemas.microsoft.com/office/drawing/2014/main" id="{A8539DB9-3193-446D-AAD0-3F53798A7C20}"/>
               </a:ext>
             </a:extLst>
           </p:cNvPr>
@@ -23080,7 +23322,7 @@
           <p:cNvPr id="45" name="Oval 44">
             <a:extLst>
               <a:ext uri="{FF2B5EF4-FFF2-40B4-BE49-F238E27FC236}">
-                <a16:creationId xmlns:a16="http://schemas.microsoft.com/office/drawing/2014/main" xmlns="" id="{A8539DB9-3193-446D-AAD0-3F53798A7C20}"/>
+                <a16:creationId xmlns="" xmlns:a16="http://schemas.microsoft.com/office/drawing/2014/main" id="{A8539DB9-3193-446D-AAD0-3F53798A7C20}"/>
               </a:ext>
             </a:extLst>
           </p:cNvPr>
@@ -23136,7 +23378,7 @@
           <p:cNvPr id="46" name="Straight Arrow Connector 45">
             <a:extLst>
               <a:ext uri="{FF2B5EF4-FFF2-40B4-BE49-F238E27FC236}">
-                <a16:creationId xmlns:a16="http://schemas.microsoft.com/office/drawing/2014/main" xmlns="" id="{A47DAD0E-84A7-48D4-BBEA-C8FA08AF368E}"/>
+                <a16:creationId xmlns="" xmlns:a16="http://schemas.microsoft.com/office/drawing/2014/main" id="{A47DAD0E-84A7-48D4-BBEA-C8FA08AF368E}"/>
               </a:ext>
             </a:extLst>
           </p:cNvPr>
@@ -23314,7 +23556,7 @@
           <p:cNvPr id="57" name="Straight Arrow Connector 56">
             <a:extLst>
               <a:ext uri="{FF2B5EF4-FFF2-40B4-BE49-F238E27FC236}">
-                <a16:creationId xmlns:a16="http://schemas.microsoft.com/office/drawing/2014/main" xmlns="" id="{A47DAD0E-84A7-48D4-BBEA-C8FA08AF368E}"/>
+                <a16:creationId xmlns="" xmlns:a16="http://schemas.microsoft.com/office/drawing/2014/main" id="{A47DAD0E-84A7-48D4-BBEA-C8FA08AF368E}"/>
               </a:ext>
             </a:extLst>
           </p:cNvPr>
@@ -23358,7 +23600,7 @@
           <p:cNvPr id="58" name="Oval 57">
             <a:extLst>
               <a:ext uri="{FF2B5EF4-FFF2-40B4-BE49-F238E27FC236}">
-                <a16:creationId xmlns:a16="http://schemas.microsoft.com/office/drawing/2014/main" xmlns="" id="{A8539DB9-3193-446D-AAD0-3F53798A7C20}"/>
+                <a16:creationId xmlns="" xmlns:a16="http://schemas.microsoft.com/office/drawing/2014/main" id="{A8539DB9-3193-446D-AAD0-3F53798A7C20}"/>
               </a:ext>
             </a:extLst>
           </p:cNvPr>
@@ -23414,7 +23656,7 @@
           <p:cNvPr id="59" name="Oval 58">
             <a:extLst>
               <a:ext uri="{FF2B5EF4-FFF2-40B4-BE49-F238E27FC236}">
-                <a16:creationId xmlns:a16="http://schemas.microsoft.com/office/drawing/2014/main" xmlns="" id="{A8539DB9-3193-446D-AAD0-3F53798A7C20}"/>
+                <a16:creationId xmlns="" xmlns:a16="http://schemas.microsoft.com/office/drawing/2014/main" id="{A8539DB9-3193-446D-AAD0-3F53798A7C20}"/>
               </a:ext>
             </a:extLst>
           </p:cNvPr>
@@ -23470,7 +23712,7 @@
           <p:cNvPr id="60" name="Straight Arrow Connector 59">
             <a:extLst>
               <a:ext uri="{FF2B5EF4-FFF2-40B4-BE49-F238E27FC236}">
-                <a16:creationId xmlns:a16="http://schemas.microsoft.com/office/drawing/2014/main" xmlns="" id="{A47DAD0E-84A7-48D4-BBEA-C8FA08AF368E}"/>
+                <a16:creationId xmlns="" xmlns:a16="http://schemas.microsoft.com/office/drawing/2014/main" id="{A47DAD0E-84A7-48D4-BBEA-C8FA08AF368E}"/>
               </a:ext>
             </a:extLst>
           </p:cNvPr>
@@ -23833,7 +24075,7 @@
           <p:cNvPr id="19" name="Oval 18">
             <a:extLst>
               <a:ext uri="{FF2B5EF4-FFF2-40B4-BE49-F238E27FC236}">
-                <a16:creationId xmlns:a16="http://schemas.microsoft.com/office/drawing/2014/main" xmlns="" id="{A8539DB9-3193-446D-AAD0-3F53798A7C20}"/>
+                <a16:creationId xmlns="" xmlns:a16="http://schemas.microsoft.com/office/drawing/2014/main" id="{A8539DB9-3193-446D-AAD0-3F53798A7C20}"/>
               </a:ext>
             </a:extLst>
           </p:cNvPr>
@@ -23889,7 +24131,7 @@
           <p:cNvPr id="27" name="Oval 26">
             <a:extLst>
               <a:ext uri="{FF2B5EF4-FFF2-40B4-BE49-F238E27FC236}">
-                <a16:creationId xmlns:a16="http://schemas.microsoft.com/office/drawing/2014/main" xmlns="" id="{A8539DB9-3193-446D-AAD0-3F53798A7C20}"/>
+                <a16:creationId xmlns="" xmlns:a16="http://schemas.microsoft.com/office/drawing/2014/main" id="{A8539DB9-3193-446D-AAD0-3F53798A7C20}"/>
               </a:ext>
             </a:extLst>
           </p:cNvPr>
@@ -24012,7 +24254,7 @@
           <p:cNvPr id="39" name="Straight Arrow Connector 38">
             <a:extLst>
               <a:ext uri="{FF2B5EF4-FFF2-40B4-BE49-F238E27FC236}">
-                <a16:creationId xmlns:a16="http://schemas.microsoft.com/office/drawing/2014/main" xmlns="" id="{A47DAD0E-84A7-48D4-BBEA-C8FA08AF368E}"/>
+                <a16:creationId xmlns="" xmlns:a16="http://schemas.microsoft.com/office/drawing/2014/main" id="{A47DAD0E-84A7-48D4-BBEA-C8FA08AF368E}"/>
               </a:ext>
             </a:extLst>
           </p:cNvPr>
@@ -24056,7 +24298,7 @@
           <p:cNvPr id="43" name="Oval 42">
             <a:extLst>
               <a:ext uri="{FF2B5EF4-FFF2-40B4-BE49-F238E27FC236}">
-                <a16:creationId xmlns:a16="http://schemas.microsoft.com/office/drawing/2014/main" xmlns="" id="{A8539DB9-3193-446D-AAD0-3F53798A7C20}"/>
+                <a16:creationId xmlns="" xmlns:a16="http://schemas.microsoft.com/office/drawing/2014/main" id="{A8539DB9-3193-446D-AAD0-3F53798A7C20}"/>
               </a:ext>
             </a:extLst>
           </p:cNvPr>
@@ -24112,7 +24354,7 @@
           <p:cNvPr id="45" name="Oval 44">
             <a:extLst>
               <a:ext uri="{FF2B5EF4-FFF2-40B4-BE49-F238E27FC236}">
-                <a16:creationId xmlns:a16="http://schemas.microsoft.com/office/drawing/2014/main" xmlns="" id="{A8539DB9-3193-446D-AAD0-3F53798A7C20}"/>
+                <a16:creationId xmlns="" xmlns:a16="http://schemas.microsoft.com/office/drawing/2014/main" id="{A8539DB9-3193-446D-AAD0-3F53798A7C20}"/>
               </a:ext>
             </a:extLst>
           </p:cNvPr>
@@ -24168,7 +24410,7 @@
           <p:cNvPr id="46" name="Straight Arrow Connector 45">
             <a:extLst>
               <a:ext uri="{FF2B5EF4-FFF2-40B4-BE49-F238E27FC236}">
-                <a16:creationId xmlns:a16="http://schemas.microsoft.com/office/drawing/2014/main" xmlns="" id="{A47DAD0E-84A7-48D4-BBEA-C8FA08AF368E}"/>
+                <a16:creationId xmlns="" xmlns:a16="http://schemas.microsoft.com/office/drawing/2014/main" id="{A47DAD0E-84A7-48D4-BBEA-C8FA08AF368E}"/>
               </a:ext>
             </a:extLst>
           </p:cNvPr>
@@ -24346,7 +24588,7 @@
           <p:cNvPr id="57" name="Straight Arrow Connector 56">
             <a:extLst>
               <a:ext uri="{FF2B5EF4-FFF2-40B4-BE49-F238E27FC236}">
-                <a16:creationId xmlns:a16="http://schemas.microsoft.com/office/drawing/2014/main" xmlns="" id="{A47DAD0E-84A7-48D4-BBEA-C8FA08AF368E}"/>
+                <a16:creationId xmlns="" xmlns:a16="http://schemas.microsoft.com/office/drawing/2014/main" id="{A47DAD0E-84A7-48D4-BBEA-C8FA08AF368E}"/>
               </a:ext>
             </a:extLst>
           </p:cNvPr>
@@ -24390,7 +24632,7 @@
           <p:cNvPr id="58" name="Oval 57">
             <a:extLst>
               <a:ext uri="{FF2B5EF4-FFF2-40B4-BE49-F238E27FC236}">
-                <a16:creationId xmlns:a16="http://schemas.microsoft.com/office/drawing/2014/main" xmlns="" id="{A8539DB9-3193-446D-AAD0-3F53798A7C20}"/>
+                <a16:creationId xmlns="" xmlns:a16="http://schemas.microsoft.com/office/drawing/2014/main" id="{A8539DB9-3193-446D-AAD0-3F53798A7C20}"/>
               </a:ext>
             </a:extLst>
           </p:cNvPr>
@@ -24446,7 +24688,7 @@
           <p:cNvPr id="59" name="Oval 58">
             <a:extLst>
               <a:ext uri="{FF2B5EF4-FFF2-40B4-BE49-F238E27FC236}">
-                <a16:creationId xmlns:a16="http://schemas.microsoft.com/office/drawing/2014/main" xmlns="" id="{A8539DB9-3193-446D-AAD0-3F53798A7C20}"/>
+                <a16:creationId xmlns="" xmlns:a16="http://schemas.microsoft.com/office/drawing/2014/main" id="{A8539DB9-3193-446D-AAD0-3F53798A7C20}"/>
               </a:ext>
             </a:extLst>
           </p:cNvPr>
@@ -24502,7 +24744,7 @@
           <p:cNvPr id="60" name="Straight Arrow Connector 59">
             <a:extLst>
               <a:ext uri="{FF2B5EF4-FFF2-40B4-BE49-F238E27FC236}">
-                <a16:creationId xmlns:a16="http://schemas.microsoft.com/office/drawing/2014/main" xmlns="" id="{A47DAD0E-84A7-48D4-BBEA-C8FA08AF368E}"/>
+                <a16:creationId xmlns="" xmlns:a16="http://schemas.microsoft.com/office/drawing/2014/main" id="{A47DAD0E-84A7-48D4-BBEA-C8FA08AF368E}"/>
               </a:ext>
             </a:extLst>
           </p:cNvPr>
@@ -24613,7 +24855,7 @@
           <p:cNvPr id="21" name="Oval 20">
             <a:extLst>
               <a:ext uri="{FF2B5EF4-FFF2-40B4-BE49-F238E27FC236}">
-                <a16:creationId xmlns:a16="http://schemas.microsoft.com/office/drawing/2014/main" xmlns="" id="{A8539DB9-3193-446D-AAD0-3F53798A7C20}"/>
+                <a16:creationId xmlns="" xmlns:a16="http://schemas.microsoft.com/office/drawing/2014/main" id="{A8539DB9-3193-446D-AAD0-3F53798A7C20}"/>
               </a:ext>
             </a:extLst>
           </p:cNvPr>
@@ -24682,7 +24924,7 @@
           <p:cNvPr id="22" name="Straight Arrow Connector 21">
             <a:extLst>
               <a:ext uri="{FF2B5EF4-FFF2-40B4-BE49-F238E27FC236}">
-                <a16:creationId xmlns:a16="http://schemas.microsoft.com/office/drawing/2014/main" xmlns="" id="{A47DAD0E-84A7-48D4-BBEA-C8FA08AF368E}"/>
+                <a16:creationId xmlns="" xmlns:a16="http://schemas.microsoft.com/office/drawing/2014/main" id="{A47DAD0E-84A7-48D4-BBEA-C8FA08AF368E}"/>
               </a:ext>
             </a:extLst>
           </p:cNvPr>
@@ -25320,7 +25562,7 @@
           <p:cNvPr id="19" name="Oval 18">
             <a:extLst>
               <a:ext uri="{FF2B5EF4-FFF2-40B4-BE49-F238E27FC236}">
-                <a16:creationId xmlns:a16="http://schemas.microsoft.com/office/drawing/2014/main" xmlns="" id="{A8539DB9-3193-446D-AAD0-3F53798A7C20}"/>
+                <a16:creationId xmlns="" xmlns:a16="http://schemas.microsoft.com/office/drawing/2014/main" id="{A8539DB9-3193-446D-AAD0-3F53798A7C20}"/>
               </a:ext>
             </a:extLst>
           </p:cNvPr>
@@ -25376,7 +25618,7 @@
           <p:cNvPr id="27" name="Oval 26">
             <a:extLst>
               <a:ext uri="{FF2B5EF4-FFF2-40B4-BE49-F238E27FC236}">
-                <a16:creationId xmlns:a16="http://schemas.microsoft.com/office/drawing/2014/main" xmlns="" id="{A8539DB9-3193-446D-AAD0-3F53798A7C20}"/>
+                <a16:creationId xmlns="" xmlns:a16="http://schemas.microsoft.com/office/drawing/2014/main" id="{A8539DB9-3193-446D-AAD0-3F53798A7C20}"/>
               </a:ext>
             </a:extLst>
           </p:cNvPr>
@@ -25499,7 +25741,7 @@
           <p:cNvPr id="39" name="Straight Arrow Connector 38">
             <a:extLst>
               <a:ext uri="{FF2B5EF4-FFF2-40B4-BE49-F238E27FC236}">
-                <a16:creationId xmlns:a16="http://schemas.microsoft.com/office/drawing/2014/main" xmlns="" id="{A47DAD0E-84A7-48D4-BBEA-C8FA08AF368E}"/>
+                <a16:creationId xmlns="" xmlns:a16="http://schemas.microsoft.com/office/drawing/2014/main" id="{A47DAD0E-84A7-48D4-BBEA-C8FA08AF368E}"/>
               </a:ext>
             </a:extLst>
           </p:cNvPr>
@@ -25543,7 +25785,7 @@
           <p:cNvPr id="43" name="Oval 42">
             <a:extLst>
               <a:ext uri="{FF2B5EF4-FFF2-40B4-BE49-F238E27FC236}">
-                <a16:creationId xmlns:a16="http://schemas.microsoft.com/office/drawing/2014/main" xmlns="" id="{A8539DB9-3193-446D-AAD0-3F53798A7C20}"/>
+                <a16:creationId xmlns="" xmlns:a16="http://schemas.microsoft.com/office/drawing/2014/main" id="{A8539DB9-3193-446D-AAD0-3F53798A7C20}"/>
               </a:ext>
             </a:extLst>
           </p:cNvPr>
@@ -25599,7 +25841,7 @@
           <p:cNvPr id="45" name="Oval 44">
             <a:extLst>
               <a:ext uri="{FF2B5EF4-FFF2-40B4-BE49-F238E27FC236}">
-                <a16:creationId xmlns:a16="http://schemas.microsoft.com/office/drawing/2014/main" xmlns="" id="{A8539DB9-3193-446D-AAD0-3F53798A7C20}"/>
+                <a16:creationId xmlns="" xmlns:a16="http://schemas.microsoft.com/office/drawing/2014/main" id="{A8539DB9-3193-446D-AAD0-3F53798A7C20}"/>
               </a:ext>
             </a:extLst>
           </p:cNvPr>
@@ -25655,7 +25897,7 @@
           <p:cNvPr id="46" name="Straight Arrow Connector 45">
             <a:extLst>
               <a:ext uri="{FF2B5EF4-FFF2-40B4-BE49-F238E27FC236}">
-                <a16:creationId xmlns:a16="http://schemas.microsoft.com/office/drawing/2014/main" xmlns="" id="{A47DAD0E-84A7-48D4-BBEA-C8FA08AF368E}"/>
+                <a16:creationId xmlns="" xmlns:a16="http://schemas.microsoft.com/office/drawing/2014/main" id="{A47DAD0E-84A7-48D4-BBEA-C8FA08AF368E}"/>
               </a:ext>
             </a:extLst>
           </p:cNvPr>
@@ -25833,7 +26075,7 @@
           <p:cNvPr id="58" name="Oval 57">
             <a:extLst>
               <a:ext uri="{FF2B5EF4-FFF2-40B4-BE49-F238E27FC236}">
-                <a16:creationId xmlns:a16="http://schemas.microsoft.com/office/drawing/2014/main" xmlns="" id="{A8539DB9-3193-446D-AAD0-3F53798A7C20}"/>
+                <a16:creationId xmlns="" xmlns:a16="http://schemas.microsoft.com/office/drawing/2014/main" id="{A8539DB9-3193-446D-AAD0-3F53798A7C20}"/>
               </a:ext>
             </a:extLst>
           </p:cNvPr>
@@ -25889,7 +26131,7 @@
           <p:cNvPr id="60" name="Straight Arrow Connector 59">
             <a:extLst>
               <a:ext uri="{FF2B5EF4-FFF2-40B4-BE49-F238E27FC236}">
-                <a16:creationId xmlns:a16="http://schemas.microsoft.com/office/drawing/2014/main" xmlns="" id="{A47DAD0E-84A7-48D4-BBEA-C8FA08AF368E}"/>
+                <a16:creationId xmlns="" xmlns:a16="http://schemas.microsoft.com/office/drawing/2014/main" id="{A47DAD0E-84A7-48D4-BBEA-C8FA08AF368E}"/>
               </a:ext>
             </a:extLst>
           </p:cNvPr>
@@ -25933,7 +26175,7 @@
           <p:cNvPr id="21" name="Oval 20">
             <a:extLst>
               <a:ext uri="{FF2B5EF4-FFF2-40B4-BE49-F238E27FC236}">
-                <a16:creationId xmlns:a16="http://schemas.microsoft.com/office/drawing/2014/main" xmlns="" id="{A8539DB9-3193-446D-AAD0-3F53798A7C20}"/>
+                <a16:creationId xmlns="" xmlns:a16="http://schemas.microsoft.com/office/drawing/2014/main" id="{A8539DB9-3193-446D-AAD0-3F53798A7C20}"/>
               </a:ext>
             </a:extLst>
           </p:cNvPr>
@@ -26002,7 +26244,7 @@
           <p:cNvPr id="22" name="Straight Arrow Connector 21">
             <a:extLst>
               <a:ext uri="{FF2B5EF4-FFF2-40B4-BE49-F238E27FC236}">
-                <a16:creationId xmlns:a16="http://schemas.microsoft.com/office/drawing/2014/main" xmlns="" id="{A47DAD0E-84A7-48D4-BBEA-C8FA08AF368E}"/>
+                <a16:creationId xmlns="" xmlns:a16="http://schemas.microsoft.com/office/drawing/2014/main" id="{A47DAD0E-84A7-48D4-BBEA-C8FA08AF368E}"/>
               </a:ext>
             </a:extLst>
           </p:cNvPr>
@@ -26113,7 +26355,7 @@
           <p:cNvPr id="25" name="Oval 24">
             <a:extLst>
               <a:ext uri="{FF2B5EF4-FFF2-40B4-BE49-F238E27FC236}">
-                <a16:creationId xmlns:a16="http://schemas.microsoft.com/office/drawing/2014/main" xmlns="" id="{A8539DB9-3193-446D-AAD0-3F53798A7C20}"/>
+                <a16:creationId xmlns="" xmlns:a16="http://schemas.microsoft.com/office/drawing/2014/main" id="{A8539DB9-3193-446D-AAD0-3F53798A7C20}"/>
               </a:ext>
             </a:extLst>
           </p:cNvPr>
@@ -26182,7 +26424,7 @@
           <p:cNvPr id="26" name="Straight Arrow Connector 25">
             <a:extLst>
               <a:ext uri="{FF2B5EF4-FFF2-40B4-BE49-F238E27FC236}">
-                <a16:creationId xmlns:a16="http://schemas.microsoft.com/office/drawing/2014/main" xmlns="" id="{A47DAD0E-84A7-48D4-BBEA-C8FA08AF368E}"/>
+                <a16:creationId xmlns="" xmlns:a16="http://schemas.microsoft.com/office/drawing/2014/main" id="{A47DAD0E-84A7-48D4-BBEA-C8FA08AF368E}"/>
               </a:ext>
             </a:extLst>
           </p:cNvPr>
@@ -26816,7 +27058,7 @@
           <p:cNvPr id="19" name="Oval 18">
             <a:extLst>
               <a:ext uri="{FF2B5EF4-FFF2-40B4-BE49-F238E27FC236}">
-                <a16:creationId xmlns:a16="http://schemas.microsoft.com/office/drawing/2014/main" xmlns="" id="{A8539DB9-3193-446D-AAD0-3F53798A7C20}"/>
+                <a16:creationId xmlns="" xmlns:a16="http://schemas.microsoft.com/office/drawing/2014/main" id="{A8539DB9-3193-446D-AAD0-3F53798A7C20}"/>
               </a:ext>
             </a:extLst>
           </p:cNvPr>
@@ -26872,7 +27114,7 @@
           <p:cNvPr id="27" name="Oval 26">
             <a:extLst>
               <a:ext uri="{FF2B5EF4-FFF2-40B4-BE49-F238E27FC236}">
-                <a16:creationId xmlns:a16="http://schemas.microsoft.com/office/drawing/2014/main" xmlns="" id="{A8539DB9-3193-446D-AAD0-3F53798A7C20}"/>
+                <a16:creationId xmlns="" xmlns:a16="http://schemas.microsoft.com/office/drawing/2014/main" id="{A8539DB9-3193-446D-AAD0-3F53798A7C20}"/>
               </a:ext>
             </a:extLst>
           </p:cNvPr>
@@ -26995,7 +27237,7 @@
           <p:cNvPr id="43" name="Oval 42">
             <a:extLst>
               <a:ext uri="{FF2B5EF4-FFF2-40B4-BE49-F238E27FC236}">
-                <a16:creationId xmlns:a16="http://schemas.microsoft.com/office/drawing/2014/main" xmlns="" id="{A8539DB9-3193-446D-AAD0-3F53798A7C20}"/>
+                <a16:creationId xmlns="" xmlns:a16="http://schemas.microsoft.com/office/drawing/2014/main" id="{A8539DB9-3193-446D-AAD0-3F53798A7C20}"/>
               </a:ext>
             </a:extLst>
           </p:cNvPr>
@@ -27051,7 +27293,7 @@
           <p:cNvPr id="46" name="Straight Arrow Connector 45">
             <a:extLst>
               <a:ext uri="{FF2B5EF4-FFF2-40B4-BE49-F238E27FC236}">
-                <a16:creationId xmlns:a16="http://schemas.microsoft.com/office/drawing/2014/main" xmlns="" id="{A47DAD0E-84A7-48D4-BBEA-C8FA08AF368E}"/>
+                <a16:creationId xmlns="" xmlns:a16="http://schemas.microsoft.com/office/drawing/2014/main" id="{A47DAD0E-84A7-48D4-BBEA-C8FA08AF368E}"/>
               </a:ext>
             </a:extLst>
           </p:cNvPr>
@@ -27162,7 +27404,7 @@
           <p:cNvPr id="58" name="Oval 57">
             <a:extLst>
               <a:ext uri="{FF2B5EF4-FFF2-40B4-BE49-F238E27FC236}">
-                <a16:creationId xmlns:a16="http://schemas.microsoft.com/office/drawing/2014/main" xmlns="" id="{A8539DB9-3193-446D-AAD0-3F53798A7C20}"/>
+                <a16:creationId xmlns="" xmlns:a16="http://schemas.microsoft.com/office/drawing/2014/main" id="{A8539DB9-3193-446D-AAD0-3F53798A7C20}"/>
               </a:ext>
             </a:extLst>
           </p:cNvPr>
@@ -27218,7 +27460,7 @@
           <p:cNvPr id="60" name="Straight Arrow Connector 59">
             <a:extLst>
               <a:ext uri="{FF2B5EF4-FFF2-40B4-BE49-F238E27FC236}">
-                <a16:creationId xmlns:a16="http://schemas.microsoft.com/office/drawing/2014/main" xmlns="" id="{A47DAD0E-84A7-48D4-BBEA-C8FA08AF368E}"/>
+                <a16:creationId xmlns="" xmlns:a16="http://schemas.microsoft.com/office/drawing/2014/main" id="{A47DAD0E-84A7-48D4-BBEA-C8FA08AF368E}"/>
               </a:ext>
             </a:extLst>
           </p:cNvPr>
@@ -27262,7 +27504,7 @@
           <p:cNvPr id="25" name="Oval 24">
             <a:extLst>
               <a:ext uri="{FF2B5EF4-FFF2-40B4-BE49-F238E27FC236}">
-                <a16:creationId xmlns:a16="http://schemas.microsoft.com/office/drawing/2014/main" xmlns="" id="{A8539DB9-3193-446D-AAD0-3F53798A7C20}"/>
+                <a16:creationId xmlns="" xmlns:a16="http://schemas.microsoft.com/office/drawing/2014/main" id="{A8539DB9-3193-446D-AAD0-3F53798A7C20}"/>
               </a:ext>
             </a:extLst>
           </p:cNvPr>
@@ -27331,7 +27573,7 @@
           <p:cNvPr id="26" name="Straight Arrow Connector 25">
             <a:extLst>
               <a:ext uri="{FF2B5EF4-FFF2-40B4-BE49-F238E27FC236}">
-                <a16:creationId xmlns:a16="http://schemas.microsoft.com/office/drawing/2014/main" xmlns="" id="{A47DAD0E-84A7-48D4-BBEA-C8FA08AF368E}"/>
+                <a16:creationId xmlns="" xmlns:a16="http://schemas.microsoft.com/office/drawing/2014/main" id="{A47DAD0E-84A7-48D4-BBEA-C8FA08AF368E}"/>
               </a:ext>
             </a:extLst>
           </p:cNvPr>
@@ -27442,7 +27684,7 @@
           <p:cNvPr id="24" name="Straight Arrow Connector 23">
             <a:extLst>
               <a:ext uri="{FF2B5EF4-FFF2-40B4-BE49-F238E27FC236}">
-                <a16:creationId xmlns:a16="http://schemas.microsoft.com/office/drawing/2014/main" xmlns="" id="{A47DAD0E-84A7-48D4-BBEA-C8FA08AF368E}"/>
+                <a16:creationId xmlns="" xmlns:a16="http://schemas.microsoft.com/office/drawing/2014/main" id="{A47DAD0E-84A7-48D4-BBEA-C8FA08AF368E}"/>
               </a:ext>
             </a:extLst>
           </p:cNvPr>
@@ -27486,7 +27728,7 @@
           <p:cNvPr id="30" name="Oval 29">
             <a:extLst>
               <a:ext uri="{FF2B5EF4-FFF2-40B4-BE49-F238E27FC236}">
-                <a16:creationId xmlns:a16="http://schemas.microsoft.com/office/drawing/2014/main" xmlns="" id="{A8539DB9-3193-446D-AAD0-3F53798A7C20}"/>
+                <a16:creationId xmlns="" xmlns:a16="http://schemas.microsoft.com/office/drawing/2014/main" id="{A8539DB9-3193-446D-AAD0-3F53798A7C20}"/>
               </a:ext>
             </a:extLst>
           </p:cNvPr>
@@ -27609,7 +27851,7 @@
           <p:cNvPr id="34" name="Oval 33">
             <a:extLst>
               <a:ext uri="{FF2B5EF4-FFF2-40B4-BE49-F238E27FC236}">
-                <a16:creationId xmlns:a16="http://schemas.microsoft.com/office/drawing/2014/main" xmlns="" id="{A8539DB9-3193-446D-AAD0-3F53798A7C20}"/>
+                <a16:creationId xmlns="" xmlns:a16="http://schemas.microsoft.com/office/drawing/2014/main" id="{A8539DB9-3193-446D-AAD0-3F53798A7C20}"/>
               </a:ext>
             </a:extLst>
           </p:cNvPr>
@@ -27668,7 +27910,7 @@
           <p:cNvPr id="35" name="Straight Arrow Connector 34">
             <a:extLst>
               <a:ext uri="{FF2B5EF4-FFF2-40B4-BE49-F238E27FC236}">
-                <a16:creationId xmlns:a16="http://schemas.microsoft.com/office/drawing/2014/main" xmlns="" id="{A47DAD0E-84A7-48D4-BBEA-C8FA08AF368E}"/>
+                <a16:creationId xmlns="" xmlns:a16="http://schemas.microsoft.com/office/drawing/2014/main" id="{A47DAD0E-84A7-48D4-BBEA-C8FA08AF368E}"/>
               </a:ext>
             </a:extLst>
           </p:cNvPr>
@@ -34173,7 +34415,7 @@
           <p:cNvPr id="3" name="Title 2">
             <a:extLst>
               <a:ext uri="{FF2B5EF4-FFF2-40B4-BE49-F238E27FC236}">
-                <a16:creationId xmlns:a16="http://schemas.microsoft.com/office/drawing/2014/main" xmlns="" id="{A8704E41-3486-46BD-8AA7-B6B5D28F95A5}"/>
+                <a16:creationId xmlns="" xmlns:a16="http://schemas.microsoft.com/office/drawing/2014/main" id="{A8704E41-3486-46BD-8AA7-B6B5D28F95A5}"/>
               </a:ext>
             </a:extLst>
           </p:cNvPr>
@@ -34212,7 +34454,7 @@
           <p:cNvPr id="4" name="Slide Number Placeholder 3">
             <a:extLst>
               <a:ext uri="{FF2B5EF4-FFF2-40B4-BE49-F238E27FC236}">
-                <a16:creationId xmlns:a16="http://schemas.microsoft.com/office/drawing/2014/main" xmlns="" id="{02CD92EA-E9CB-4F4C-B1B9-840F11B55DC5}"/>
+                <a16:creationId xmlns="" xmlns:a16="http://schemas.microsoft.com/office/drawing/2014/main" id="{02CD92EA-E9CB-4F4C-B1B9-840F11B55DC5}"/>
               </a:ext>
             </a:extLst>
           </p:cNvPr>
@@ -34285,7 +34527,7 @@
           <p:cNvPr id="7" name="Picture 6">
             <a:extLst>
               <a:ext uri="{FF2B5EF4-FFF2-40B4-BE49-F238E27FC236}">
-                <a16:creationId xmlns:a16="http://schemas.microsoft.com/office/drawing/2014/main" xmlns="" id="{FEF76D80-A1A2-40D3-8D23-AD9AE057D7AB}"/>
+                <a16:creationId xmlns="" xmlns:a16="http://schemas.microsoft.com/office/drawing/2014/main" id="{FEF76D80-A1A2-40D3-8D23-AD9AE057D7AB}"/>
               </a:ext>
             </a:extLst>
           </p:cNvPr>
@@ -34423,7 +34665,7 @@
           <p:cNvPr id="3" name="Title 2">
             <a:extLst>
               <a:ext uri="{FF2B5EF4-FFF2-40B4-BE49-F238E27FC236}">
-                <a16:creationId xmlns:a16="http://schemas.microsoft.com/office/drawing/2014/main" xmlns="" id="{A8704E41-3486-46BD-8AA7-B6B5D28F95A5}"/>
+                <a16:creationId xmlns="" xmlns:a16="http://schemas.microsoft.com/office/drawing/2014/main" id="{A8704E41-3486-46BD-8AA7-B6B5D28F95A5}"/>
               </a:ext>
             </a:extLst>
           </p:cNvPr>
@@ -34462,7 +34704,7 @@
           <p:cNvPr id="4" name="Slide Number Placeholder 3">
             <a:extLst>
               <a:ext uri="{FF2B5EF4-FFF2-40B4-BE49-F238E27FC236}">
-                <a16:creationId xmlns:a16="http://schemas.microsoft.com/office/drawing/2014/main" xmlns="" id="{02CD92EA-E9CB-4F4C-B1B9-840F11B55DC5}"/>
+                <a16:creationId xmlns="" xmlns:a16="http://schemas.microsoft.com/office/drawing/2014/main" id="{02CD92EA-E9CB-4F4C-B1B9-840F11B55DC5}"/>
               </a:ext>
             </a:extLst>
           </p:cNvPr>
@@ -34546,7 +34788,7 @@
           <p:cNvPr id="8" name="Picture 7">
             <a:extLst>
               <a:ext uri="{FF2B5EF4-FFF2-40B4-BE49-F238E27FC236}">
-                <a16:creationId xmlns:a16="http://schemas.microsoft.com/office/drawing/2014/main" xmlns="" id="{F11A34E2-CF14-4FAC-9913-4CAC796E46FA}"/>
+                <a16:creationId xmlns="" xmlns:a16="http://schemas.microsoft.com/office/drawing/2014/main" id="{F11A34E2-CF14-4FAC-9913-4CAC796E46FA}"/>
               </a:ext>
             </a:extLst>
           </p:cNvPr>
@@ -34684,7 +34926,7 @@
           <p:cNvPr id="3" name="Title 2">
             <a:extLst>
               <a:ext uri="{FF2B5EF4-FFF2-40B4-BE49-F238E27FC236}">
-                <a16:creationId xmlns:a16="http://schemas.microsoft.com/office/drawing/2014/main" xmlns="" id="{A8704E41-3486-46BD-8AA7-B6B5D28F95A5}"/>
+                <a16:creationId xmlns="" xmlns:a16="http://schemas.microsoft.com/office/drawing/2014/main" id="{A8704E41-3486-46BD-8AA7-B6B5D28F95A5}"/>
               </a:ext>
             </a:extLst>
           </p:cNvPr>
@@ -34723,7 +34965,7 @@
           <p:cNvPr id="4" name="Slide Number Placeholder 3">
             <a:extLst>
               <a:ext uri="{FF2B5EF4-FFF2-40B4-BE49-F238E27FC236}">
-                <a16:creationId xmlns:a16="http://schemas.microsoft.com/office/drawing/2014/main" xmlns="" id="{02CD92EA-E9CB-4F4C-B1B9-840F11B55DC5}"/>
+                <a16:creationId xmlns="" xmlns:a16="http://schemas.microsoft.com/office/drawing/2014/main" id="{02CD92EA-E9CB-4F4C-B1B9-840F11B55DC5}"/>
               </a:ext>
             </a:extLst>
           </p:cNvPr>
@@ -34799,7 +35041,7 @@
           <p:cNvPr id="8" name="Picture 7">
             <a:extLst>
               <a:ext uri="{FF2B5EF4-FFF2-40B4-BE49-F238E27FC236}">
-                <a16:creationId xmlns:a16="http://schemas.microsoft.com/office/drawing/2014/main" xmlns="" id="{C62C63E2-C97A-4E3E-9C28-351D24FBB5BD}"/>
+                <a16:creationId xmlns="" xmlns:a16="http://schemas.microsoft.com/office/drawing/2014/main" id="{C62C63E2-C97A-4E3E-9C28-351D24FBB5BD}"/>
               </a:ext>
             </a:extLst>
           </p:cNvPr>
@@ -34937,7 +35179,7 @@
           <p:cNvPr id="3" name="Title 2">
             <a:extLst>
               <a:ext uri="{FF2B5EF4-FFF2-40B4-BE49-F238E27FC236}">
-                <a16:creationId xmlns:a16="http://schemas.microsoft.com/office/drawing/2014/main" xmlns="" id="{A8704E41-3486-46BD-8AA7-B6B5D28F95A5}"/>
+                <a16:creationId xmlns="" xmlns:a16="http://schemas.microsoft.com/office/drawing/2014/main" id="{A8704E41-3486-46BD-8AA7-B6B5D28F95A5}"/>
               </a:ext>
             </a:extLst>
           </p:cNvPr>
@@ -34976,7 +35218,7 @@
           <p:cNvPr id="4" name="Slide Number Placeholder 3">
             <a:extLst>
               <a:ext uri="{FF2B5EF4-FFF2-40B4-BE49-F238E27FC236}">
-                <a16:creationId xmlns:a16="http://schemas.microsoft.com/office/drawing/2014/main" xmlns="" id="{02CD92EA-E9CB-4F4C-B1B9-840F11B55DC5}"/>
+                <a16:creationId xmlns="" xmlns:a16="http://schemas.microsoft.com/office/drawing/2014/main" id="{02CD92EA-E9CB-4F4C-B1B9-840F11B55DC5}"/>
               </a:ext>
             </a:extLst>
           </p:cNvPr>
@@ -35049,7 +35291,7 @@
           <p:cNvPr id="7" name="Picture 6">
             <a:extLst>
               <a:ext uri="{FF2B5EF4-FFF2-40B4-BE49-F238E27FC236}">
-                <a16:creationId xmlns:a16="http://schemas.microsoft.com/office/drawing/2014/main" xmlns="" id="{E008011F-F481-44B1-A7AA-A403E3E4CC96}"/>
+                <a16:creationId xmlns="" xmlns:a16="http://schemas.microsoft.com/office/drawing/2014/main" id="{E008011F-F481-44B1-A7AA-A403E3E4CC96}"/>
               </a:ext>
             </a:extLst>
           </p:cNvPr>
@@ -35296,7 +35538,7 @@
           <p:cNvPr id="7" name="Picture 6">
             <a:extLst>
               <a:ext uri="{FF2B5EF4-FFF2-40B4-BE49-F238E27FC236}">
-                <a16:creationId xmlns:a16="http://schemas.microsoft.com/office/drawing/2014/main" xmlns="" id="{E008011F-F481-44B1-A7AA-A403E3E4CC96}"/>
+                <a16:creationId xmlns="" xmlns:a16="http://schemas.microsoft.com/office/drawing/2014/main" id="{E008011F-F481-44B1-A7AA-A403E3E4CC96}"/>
               </a:ext>
             </a:extLst>
           </p:cNvPr>
@@ -36626,7 +36868,7 @@
 </file>
 
 <file path=ppt/slides/slide5.xml><?xml version="1.0" encoding="utf-8"?>
-<p:sld xmlns:a="http://schemas.openxmlformats.org/drawingml/2006/main" xmlns:r="http://schemas.openxmlformats.org/officeDocument/2006/relationships" xmlns:p="http://schemas.openxmlformats.org/presentationml/2006/main" show="0">
+<p:sld xmlns:a="http://schemas.openxmlformats.org/drawingml/2006/main" xmlns:r="http://schemas.openxmlformats.org/officeDocument/2006/relationships" xmlns:p="http://schemas.openxmlformats.org/presentationml/2006/main">
   <p:cSld>
     <p:spTree>
       <p:nvGrpSpPr>
@@ -37208,7 +37450,7 @@
           <p:cNvPr id="6" name="TextBox 5">
             <a:extLst>
               <a:ext uri="{FF2B5EF4-FFF2-40B4-BE49-F238E27FC236}">
-                <a16:creationId xmlns="" xmlns:a16="http://schemas.microsoft.com/office/drawing/2014/main" id="{0EE63CE2-3370-4E7E-829F-A328E84D4A66}"/>
+                <a16:creationId xmlns:a16="http://schemas.microsoft.com/office/drawing/2014/main" xmlns="" id="{0EE63CE2-3370-4E7E-829F-A328E84D4A66}"/>
               </a:ext>
             </a:extLst>
           </p:cNvPr>
@@ -37251,7 +37493,7 @@
           <p:cNvPr id="7" name="TextBox 6">
             <a:extLst>
               <a:ext uri="{FF2B5EF4-FFF2-40B4-BE49-F238E27FC236}">
-                <a16:creationId xmlns="" xmlns:a16="http://schemas.microsoft.com/office/drawing/2014/main" id="{0FDA2B1A-9AA0-454F-A0E4-EC959F9E90E9}"/>
+                <a16:creationId xmlns:a16="http://schemas.microsoft.com/office/drawing/2014/main" xmlns="" id="{0FDA2B1A-9AA0-454F-A0E4-EC959F9E90E9}"/>
               </a:ext>
             </a:extLst>
           </p:cNvPr>
@@ -37294,7 +37536,7 @@
           <p:cNvPr id="8" name="Straight Arrow Connector 7">
             <a:extLst>
               <a:ext uri="{FF2B5EF4-FFF2-40B4-BE49-F238E27FC236}">
-                <a16:creationId xmlns="" xmlns:a16="http://schemas.microsoft.com/office/drawing/2014/main" id="{75364A1D-8566-4378-9A03-9B7D8A84C805}"/>
+                <a16:creationId xmlns:a16="http://schemas.microsoft.com/office/drawing/2014/main" xmlns="" id="{75364A1D-8566-4378-9A03-9B7D8A84C805}"/>
               </a:ext>
             </a:extLst>
           </p:cNvPr>
@@ -43505,15 +43747,6 @@
 </file>
 
 <file path=customXml/item1.xml><?xml version="1.0" encoding="utf-8"?>
-<?mso-contentType ?>
-<FormTemplates xmlns="http://schemas.microsoft.com/sharepoint/v3/contenttype/forms">
-  <Display>DocumentLibraryForm</Display>
-  <Edit>DocumentLibraryForm</Edit>
-  <New>DocumentLibraryForm</New>
-</FormTemplates>
-</file>
-
-<file path=customXml/item2.xml><?xml version="1.0" encoding="utf-8"?>
 <ct:contentTypeSchema xmlns:ct="http://schemas.microsoft.com/office/2006/metadata/contentType" xmlns:ma="http://schemas.microsoft.com/office/2006/metadata/properties/metaAttributes" ct:_="" ma:_="" ma:contentTypeName="Document" ma:contentTypeID="0x0101005AF20084180B9E44AD928D9A8AB3689C" ma:contentTypeVersion="2" ma:contentTypeDescription="Create a new document." ma:contentTypeScope="" ma:versionID="5f842ce3792d2d894a82ea0e2dfb791b">
   <xsd:schema xmlns:xsd="http://www.w3.org/2001/XMLSchema" xmlns:xs="http://www.w3.org/2001/XMLSchema" xmlns:p="http://schemas.microsoft.com/office/2006/metadata/properties" xmlns:ns2="6e6f0a11-ea51-4914-9041-4a6fcd55b979" targetNamespace="http://schemas.microsoft.com/office/2006/metadata/properties" ma:root="true" ma:fieldsID="050a64bf2045351049015afff4474d6f" ns2:_="">
     <xsd:import namespace="6e6f0a11-ea51-4914-9041-4a6fcd55b979"/>
@@ -43661,21 +43894,22 @@
 </ct:contentTypeSchema>
 </file>
 
-<file path=customXml/item3.xml><?xml version="1.0" encoding="utf-8"?>
+<file path=customXml/item2.xml><?xml version="1.0" encoding="utf-8"?>
 <p:properties xmlns:p="http://schemas.microsoft.com/office/2006/metadata/properties" xmlns:xsi="http://www.w3.org/2001/XMLSchema-instance" xmlns:pc="http://schemas.microsoft.com/office/infopath/2007/PartnerControls">
   <documentManagement/>
 </p:properties>
 </file>
 
-<file path=customXml/itemProps1.xml><?xml version="1.0" encoding="utf-8"?>
-<ds:datastoreItem xmlns:ds="http://schemas.openxmlformats.org/officeDocument/2006/customXml" ds:itemID="{32028EF8-D63B-42F2-9729-538DFDBCE111}">
-  <ds:schemaRefs>
-    <ds:schemaRef ds:uri="http://schemas.microsoft.com/sharepoint/v3/contenttype/forms"/>
-  </ds:schemaRefs>
-</ds:datastoreItem>
+<file path=customXml/item3.xml><?xml version="1.0" encoding="utf-8"?>
+<?mso-contentType ?>
+<FormTemplates xmlns="http://schemas.microsoft.com/sharepoint/v3/contenttype/forms">
+  <Display>DocumentLibraryForm</Display>
+  <Edit>DocumentLibraryForm</Edit>
+  <New>DocumentLibraryForm</New>
+</FormTemplates>
 </file>
 
-<file path=customXml/itemProps2.xml><?xml version="1.0" encoding="utf-8"?>
+<file path=customXml/itemProps1.xml><?xml version="1.0" encoding="utf-8"?>
 <ds:datastoreItem xmlns:ds="http://schemas.openxmlformats.org/officeDocument/2006/customXml" ds:itemID="{E5946093-D9B3-4957-BB28-2A49A4F3A2E1}">
   <ds:schemaRefs>
     <ds:schemaRef ds:uri="http://schemas.microsoft.com/office/2006/metadata/contentType"/>
@@ -43693,7 +43927,7 @@
 </ds:datastoreItem>
 </file>
 
-<file path=customXml/itemProps3.xml><?xml version="1.0" encoding="utf-8"?>
+<file path=customXml/itemProps2.xml><?xml version="1.0" encoding="utf-8"?>
 <ds:datastoreItem xmlns:ds="http://schemas.openxmlformats.org/officeDocument/2006/customXml" ds:itemID="{A9495F4B-BFDC-466D-9B0E-24D55C97E4DD}">
   <ds:schemaRefs>
     <ds:schemaRef ds:uri="http://schemas.microsoft.com/office/infopath/2007/PartnerControls"/>
@@ -43707,4 +43941,12 @@
     <ds:schemaRef ds:uri="http://schemas.openxmlformats.org/package/2006/metadata/core-properties"/>
   </ds:schemaRefs>
 </ds:datastoreItem>
+</file>
+
+<file path=customXml/itemProps3.xml><?xml version="1.0" encoding="utf-8"?>
+<ds:datastoreItem xmlns:ds="http://schemas.openxmlformats.org/officeDocument/2006/customXml" ds:itemID="{32028EF8-D63B-42F2-9729-538DFDBCE111}">
+  <ds:schemaRefs>
+    <ds:schemaRef ds:uri="http://schemas.microsoft.com/sharepoint/v3/contenttype/forms"/>
+  </ds:schemaRefs>
+</ds:datastoreItem>
 </file>